--- a/文档/项目内文档/安逸医院内部管理系统项目答辩ppt（HIS）.pptx
+++ b/文档/项目内文档/安逸医院内部管理系统项目答辩ppt（HIS）.pptx
@@ -5,7 +5,7 @@
     <p:sldMasterId id="2147483648" r:id="rId1"/>
   </p:sldMasterIdLst>
   <p:notesMasterIdLst>
-    <p:notesMasterId r:id="rId18"/>
+    <p:notesMasterId r:id="rId19"/>
   </p:notesMasterIdLst>
   <p:sldIdLst>
     <p:sldId id="256" r:id="rId2"/>
@@ -21,9 +21,10 @@
     <p:sldId id="335" r:id="rId12"/>
     <p:sldId id="336" r:id="rId13"/>
     <p:sldId id="337" r:id="rId14"/>
-    <p:sldId id="338" r:id="rId15"/>
-    <p:sldId id="329" r:id="rId16"/>
-    <p:sldId id="330" r:id="rId17"/>
+    <p:sldId id="341" r:id="rId15"/>
+    <p:sldId id="342" r:id="rId16"/>
+    <p:sldId id="340" r:id="rId17"/>
+    <p:sldId id="330" r:id="rId18"/>
   </p:sldIdLst>
   <p:sldSz cx="9144000" cy="5143500" type="screen16x9"/>
   <p:notesSz cx="6858000" cy="9144000"/>
@@ -207,7 +208,7 @@
           <a:p>
             <a:fld id="{8D2905D8-DBB3-4830-957E-8A97DBBBA211}" type="datetimeFigureOut">
               <a:rPr lang="zh-CN" altLang="en-US" smtClean="0"/>
-              <a:t>2017/8/9</a:t>
+              <a:t>2017/8/10</a:t>
             </a:fld>
             <a:endParaRPr lang="zh-CN" altLang="en-US"/>
           </a:p>
@@ -14082,7 +14083,7 @@
     </p:spTree>
     <p:extLst>
       <p:ext uri="{BB962C8B-B14F-4D97-AF65-F5344CB8AC3E}">
-        <p14:creationId xmlns:p14="http://schemas.microsoft.com/office/powerpoint/2010/main" val="3110227119"/>
+        <p14:creationId xmlns:p14="http://schemas.microsoft.com/office/powerpoint/2010/main" val="2673913140"/>
       </p:ext>
     </p:extLst>
   </p:cSld>
@@ -14348,224 +14349,6 @@
           <a:chExt cx="0" cy="0"/>
         </a:xfrm>
       </p:grpSpPr>
-      <p:grpSp>
-        <p:nvGrpSpPr>
-          <p:cNvPr id="143" name="组合 142"/>
-          <p:cNvGrpSpPr/>
-          <p:nvPr/>
-        </p:nvGrpSpPr>
-        <p:grpSpPr>
-          <a:xfrm>
-            <a:off x="1115616" y="1419622"/>
-            <a:ext cx="1864487" cy="1870428"/>
-            <a:chOff x="907313" y="1636536"/>
-            <a:chExt cx="1864487" cy="1870428"/>
-          </a:xfrm>
-        </p:grpSpPr>
-        <p:grpSp>
-          <p:nvGrpSpPr>
-            <p:cNvPr id="137" name="组合 136"/>
-            <p:cNvGrpSpPr/>
-            <p:nvPr/>
-          </p:nvGrpSpPr>
-          <p:grpSpPr>
-            <a:xfrm flipH="1">
-              <a:off x="907313" y="1636536"/>
-              <a:ext cx="1864487" cy="1870428"/>
-              <a:chOff x="304800" y="673100"/>
-              <a:chExt cx="4000500" cy="4000500"/>
-            </a:xfrm>
-            <a:effectLst>
-              <a:outerShdw blurRad="444500" dist="254000" dir="8100000" algn="tr" rotWithShape="0">
-                <a:prstClr val="black">
-                  <a:alpha val="50000"/>
-                </a:prstClr>
-              </a:outerShdw>
-            </a:effectLst>
-          </p:grpSpPr>
-          <p:sp>
-            <p:nvSpPr>
-              <p:cNvPr id="138" name="同心圆 137"/>
-              <p:cNvSpPr/>
-              <p:nvPr/>
-            </p:nvSpPr>
-            <p:spPr>
-              <a:xfrm>
-                <a:off x="304800" y="673100"/>
-                <a:ext cx="4000500" cy="4000500"/>
-              </a:xfrm>
-              <a:prstGeom prst="donut">
-                <a:avLst>
-                  <a:gd name="adj" fmla="val 4879"/>
-                </a:avLst>
-              </a:prstGeom>
-              <a:gradFill>
-                <a:gsLst>
-                  <a:gs pos="0">
-                    <a:schemeClr val="bg1"/>
-                  </a:gs>
-                  <a:gs pos="55000">
-                    <a:schemeClr val="bg1">
-                      <a:lumMod val="95000"/>
-                    </a:schemeClr>
-                  </a:gs>
-                  <a:gs pos="100000">
-                    <a:schemeClr val="bg1">
-                      <a:lumMod val="65000"/>
-                    </a:schemeClr>
-                  </a:gs>
-                </a:gsLst>
-                <a:lin ang="8100000" scaled="0"/>
-              </a:gradFill>
-              <a:ln>
-                <a:noFill/>
-              </a:ln>
-            </p:spPr>
-            <p:style>
-              <a:lnRef idx="2">
-                <a:schemeClr val="accent1">
-                  <a:shade val="50000"/>
-                </a:schemeClr>
-              </a:lnRef>
-              <a:fillRef idx="1">
-                <a:schemeClr val="accent1"/>
-              </a:fillRef>
-              <a:effectRef idx="0">
-                <a:schemeClr val="accent1"/>
-              </a:effectRef>
-              <a:fontRef idx="minor">
-                <a:schemeClr val="lt1"/>
-              </a:fontRef>
-            </p:style>
-            <p:txBody>
-              <a:bodyPr rtlCol="0" anchor="ctr"/>
-              <a:lstStyle/>
-              <a:p>
-                <a:pPr algn="ctr"/>
-                <a:endParaRPr lang="zh-CN" altLang="en-US">
-                  <a:solidFill>
-                    <a:schemeClr val="tx1"/>
-                  </a:solidFill>
-                </a:endParaRPr>
-              </a:p>
-            </p:txBody>
-          </p:sp>
-          <p:sp>
-            <p:nvSpPr>
-              <p:cNvPr id="139" name="椭圆 138"/>
-              <p:cNvSpPr/>
-              <p:nvPr/>
-            </p:nvSpPr>
-            <p:spPr>
-              <a:xfrm>
-                <a:off x="392114" y="695617"/>
-                <a:ext cx="3825874" cy="3825874"/>
-              </a:xfrm>
-              <a:prstGeom prst="ellipse">
-                <a:avLst/>
-              </a:prstGeom>
-              <a:gradFill>
-                <a:gsLst>
-                  <a:gs pos="0">
-                    <a:schemeClr val="bg1"/>
-                  </a:gs>
-                  <a:gs pos="51000">
-                    <a:schemeClr val="bg1">
-                      <a:lumMod val="95000"/>
-                    </a:schemeClr>
-                  </a:gs>
-                  <a:gs pos="100000">
-                    <a:schemeClr val="bg1">
-                      <a:lumMod val="75000"/>
-                    </a:schemeClr>
-                  </a:gs>
-                </a:gsLst>
-                <a:lin ang="18900000" scaled="0"/>
-              </a:gradFill>
-              <a:ln>
-                <a:noFill/>
-              </a:ln>
-            </p:spPr>
-            <p:style>
-              <a:lnRef idx="2">
-                <a:schemeClr val="accent1">
-                  <a:shade val="50000"/>
-                </a:schemeClr>
-              </a:lnRef>
-              <a:fillRef idx="1">
-                <a:schemeClr val="accent1"/>
-              </a:fillRef>
-              <a:effectRef idx="0">
-                <a:schemeClr val="accent1"/>
-              </a:effectRef>
-              <a:fontRef idx="minor">
-                <a:schemeClr val="lt1"/>
-              </a:fontRef>
-            </p:style>
-            <p:txBody>
-              <a:bodyPr rtlCol="0" anchor="ctr"/>
-              <a:lstStyle/>
-              <a:p>
-                <a:pPr algn="ctr"/>
-                <a:endParaRPr lang="zh-CN" altLang="en-US"/>
-              </a:p>
-            </p:txBody>
-          </p:sp>
-        </p:grpSp>
-        <p:sp>
-          <p:nvSpPr>
-            <p:cNvPr id="141" name="TextBox 140"/>
-            <p:cNvSpPr txBox="1"/>
-            <p:nvPr/>
-          </p:nvSpPr>
-          <p:spPr>
-            <a:xfrm>
-              <a:off x="1195345" y="2050581"/>
-              <a:ext cx="1224136" cy="954107"/>
-            </a:xfrm>
-            <a:prstGeom prst="rect">
-              <a:avLst/>
-            </a:prstGeom>
-            <a:noFill/>
-          </p:spPr>
-          <p:txBody>
-            <a:bodyPr wrap="square" rtlCol="0">
-              <a:spAutoFit/>
-            </a:bodyPr>
-            <a:lstStyle/>
-            <a:p>
-              <a:pPr algn="ctr"/>
-              <a:r>
-                <a:rPr lang="zh-CN" altLang="en-US" sz="2800" b="1" dirty="0" smtClean="0">
-                  <a:solidFill>
-                    <a:srgbClr val="0070C0"/>
-                  </a:solidFill>
-                  <a:latin typeface="微软雅黑" panose="020B0503020204020204" pitchFamily="34" charset="-122"/>
-                  <a:ea typeface="微软雅黑" panose="020B0503020204020204" pitchFamily="34" charset="-122"/>
-                </a:rPr>
-                <a:t>个人总结</a:t>
-              </a:r>
-              <a:r>
-                <a:rPr lang="en-US" altLang="zh-CN" sz="2800" b="1" dirty="0" smtClean="0">
-                  <a:solidFill>
-                    <a:srgbClr val="0070C0"/>
-                  </a:solidFill>
-                  <a:latin typeface="微软雅黑" panose="020B0503020204020204" pitchFamily="34" charset="-122"/>
-                  <a:ea typeface="微软雅黑" panose="020B0503020204020204" pitchFamily="34" charset="-122"/>
-                </a:rPr>
-                <a:t> </a:t>
-              </a:r>
-              <a:endParaRPr lang="zh-CN" altLang="en-US" sz="2800" b="1" dirty="0">
-                <a:solidFill>
-                  <a:srgbClr val="0070C0"/>
-                </a:solidFill>
-                <a:latin typeface="微软雅黑" panose="020B0503020204020204" pitchFamily="34" charset="-122"/>
-                <a:ea typeface="微软雅黑" panose="020B0503020204020204" pitchFamily="34" charset="-122"/>
-              </a:endParaRPr>
-            </a:p>
-          </p:txBody>
-        </p:sp>
-      </p:grpSp>
       <p:sp>
         <p:nvSpPr>
           <p:cNvPr id="2" name="TextBox 1"/>
@@ -14574,8 +14357,8 @@
         </p:nvSpPr>
         <p:spPr>
           <a:xfrm>
-            <a:off x="3275857" y="1563638"/>
-            <a:ext cx="5616624" cy="2031325"/>
+            <a:off x="1835696" y="123478"/>
+            <a:ext cx="5328592" cy="523220"/>
           </a:xfrm>
           <a:prstGeom prst="rect">
             <a:avLst/>
@@ -14588,58 +14371,1069 @@
           </a:bodyPr>
           <a:lstStyle/>
           <a:p>
+            <a:pPr algn="ctr"/>
             <a:r>
-              <a:rPr lang="zh-CN" altLang="en-US" dirty="0" smtClean="0">
-                <a:solidFill>
-                  <a:srgbClr val="002060"/>
-                </a:solidFill>
+              <a:rPr lang="zh-CN" altLang="en-US" sz="2800" dirty="0" smtClean="0">
+                <a:solidFill>
+                  <a:srgbClr val="0070C0"/>
+                </a:solidFill>
+                <a:latin typeface="微软雅黑" panose="020B0503020204020204" pitchFamily="34" charset="-122"/>
+                <a:ea typeface="微软雅黑" panose="020B0503020204020204" pitchFamily="34" charset="-122"/>
               </a:rPr>
-              <a:t>在这次实践中，我的效率明显很低，我意识到自己的问题出在爱钻牛角尖，总希望通过自己的学习去解决问题，很少请教老师。导致项目进度很慢，最后只完成了很少一部分任务。今后我需要学会多问多总结，继续提升自己的能力和提高工作效率。其次，我的</a:t>
+              <a:t>登录模块（梁明明）</a:t>
             </a:r>
-            <a:r>
-              <a:rPr lang="en-US" altLang="zh-CN" dirty="0" err="1" smtClean="0">
-                <a:solidFill>
-                  <a:srgbClr val="002060"/>
-                </a:solidFill>
-              </a:rPr>
-              <a:t>js</a:t>
-            </a:r>
-            <a:r>
-              <a:rPr lang="zh-CN" altLang="en-US" dirty="0" smtClean="0">
-                <a:solidFill>
-                  <a:srgbClr val="002060"/>
-                </a:solidFill>
-              </a:rPr>
-              <a:t>和</a:t>
-            </a:r>
-            <a:r>
-              <a:rPr lang="en-US" altLang="zh-CN" dirty="0" err="1" smtClean="0">
-                <a:solidFill>
-                  <a:srgbClr val="002060"/>
-                </a:solidFill>
-              </a:rPr>
-              <a:t>jq</a:t>
-            </a:r>
-            <a:r>
-              <a:rPr lang="zh-CN" altLang="en-US" dirty="0" smtClean="0">
-                <a:solidFill>
-                  <a:srgbClr val="002060"/>
-                </a:solidFill>
-              </a:rPr>
-              <a:t>知识基础依然很薄弱，接下来需要额外花更多的时间来学习。</a:t>
-            </a:r>
-            <a:endParaRPr lang="zh-CN" altLang="en-US" dirty="0">
+            <a:endParaRPr lang="zh-CN" altLang="en-US" sz="2800" dirty="0">
               <a:solidFill>
-                <a:srgbClr val="002060"/>
+                <a:srgbClr val="0070C0"/>
               </a:solidFill>
+              <a:latin typeface="微软雅黑" panose="020B0503020204020204" pitchFamily="34" charset="-122"/>
+              <a:ea typeface="微软雅黑" panose="020B0503020204020204" pitchFamily="34" charset="-122"/>
             </a:endParaRPr>
           </a:p>
         </p:txBody>
       </p:sp>
+      <p:sp>
+        <p:nvSpPr>
+          <p:cNvPr id="15" name="Oval 10"/>
+          <p:cNvSpPr>
+            <a:spLocks noChangeArrowheads="1"/>
+          </p:cNvSpPr>
+          <p:nvPr/>
+        </p:nvSpPr>
+        <p:spPr bwMode="auto">
+          <a:xfrm>
+            <a:off x="382560" y="3363838"/>
+            <a:ext cx="439112" cy="439239"/>
+          </a:xfrm>
+          <a:prstGeom prst="ellipse">
+            <a:avLst/>
+          </a:prstGeom>
+          <a:solidFill>
+            <a:srgbClr val="0070C0"/>
+          </a:solidFill>
+          <a:ln>
+            <a:noFill/>
+          </a:ln>
+          <a:effectLst>
+            <a:outerShdw blurRad="107950" dist="12700" dir="5400000" algn="ctr">
+              <a:srgbClr val="000000"/>
+            </a:outerShdw>
+          </a:effectLst>
+          <a:scene3d>
+            <a:camera prst="orthographicFront">
+              <a:rot lat="0" lon="0" rev="0"/>
+            </a:camera>
+            <a:lightRig rig="soft" dir="t">
+              <a:rot lat="0" lon="0" rev="0"/>
+            </a:lightRig>
+          </a:scene3d>
+          <a:sp3d contourW="44450" prstMaterial="matte">
+            <a:bevelT w="63500" h="63500" prst="artDeco"/>
+            <a:contourClr>
+              <a:srgbClr val="FFFFFF"/>
+            </a:contourClr>
+          </a:sp3d>
+        </p:spPr>
+        <p:txBody>
+          <a:bodyPr lIns="68543" tIns="34272" rIns="68543" bIns="34272"/>
+          <a:lstStyle>
+            <a:lvl1pPr eaLnBrk="0" hangingPunct="0">
+              <a:spcBef>
+                <a:spcPct val="20000"/>
+              </a:spcBef>
+              <a:buChar char="•"/>
+              <a:defRPr sz="2000">
+                <a:solidFill>
+                  <a:schemeClr val="accent1"/>
+                </a:solidFill>
+                <a:latin typeface="Arial" panose="020B0604020202020204" pitchFamily="34" charset="0"/>
+                <a:ea typeface="微软雅黑" panose="020B0503020204020204" pitchFamily="34" charset="-122"/>
+              </a:defRPr>
+            </a:lvl1pPr>
+            <a:lvl2pPr marL="742950" indent="-285750" eaLnBrk="0" hangingPunct="0">
+              <a:spcBef>
+                <a:spcPct val="20000"/>
+              </a:spcBef>
+              <a:buChar char="–"/>
+              <a:defRPr sz="2000">
+                <a:solidFill>
+                  <a:schemeClr val="accent1"/>
+                </a:solidFill>
+                <a:latin typeface="Arial" panose="020B0604020202020204" pitchFamily="34" charset="0"/>
+                <a:ea typeface="仿宋_GB2312" panose="02010609030101010101" pitchFamily="1" charset="-122"/>
+              </a:defRPr>
+            </a:lvl2pPr>
+            <a:lvl3pPr marL="1143000" indent="-228600" eaLnBrk="0" hangingPunct="0">
+              <a:spcBef>
+                <a:spcPct val="20000"/>
+              </a:spcBef>
+              <a:buChar char="•"/>
+              <a:defRPr sz="2400">
+                <a:solidFill>
+                  <a:schemeClr val="tx1"/>
+                </a:solidFill>
+                <a:latin typeface="Arial" panose="020B0604020202020204" pitchFamily="34" charset="0"/>
+                <a:ea typeface="宋体" panose="02010600030101010101" pitchFamily="2" charset="-122"/>
+              </a:defRPr>
+            </a:lvl3pPr>
+            <a:lvl4pPr marL="1600200" indent="-228600" eaLnBrk="0" hangingPunct="0">
+              <a:spcBef>
+                <a:spcPct val="20000"/>
+              </a:spcBef>
+              <a:buChar char="–"/>
+              <a:defRPr sz="2000">
+                <a:solidFill>
+                  <a:schemeClr val="tx1"/>
+                </a:solidFill>
+                <a:latin typeface="Arial" panose="020B0604020202020204" pitchFamily="34" charset="0"/>
+                <a:ea typeface="宋体" panose="02010600030101010101" pitchFamily="2" charset="-122"/>
+              </a:defRPr>
+            </a:lvl4pPr>
+            <a:lvl5pPr marL="2057400" indent="-228600" eaLnBrk="0" hangingPunct="0">
+              <a:spcBef>
+                <a:spcPct val="20000"/>
+              </a:spcBef>
+              <a:buChar char="»"/>
+              <a:defRPr sz="2000">
+                <a:solidFill>
+                  <a:schemeClr val="tx1"/>
+                </a:solidFill>
+                <a:latin typeface="Arial" panose="020B0604020202020204" pitchFamily="34" charset="0"/>
+                <a:ea typeface="宋体" panose="02010600030101010101" pitchFamily="2" charset="-122"/>
+              </a:defRPr>
+            </a:lvl5pPr>
+            <a:lvl6pPr marL="2514600" indent="-228600" eaLnBrk="0" fontAlgn="base" hangingPunct="0">
+              <a:spcBef>
+                <a:spcPct val="20000"/>
+              </a:spcBef>
+              <a:spcAft>
+                <a:spcPct val="0"/>
+              </a:spcAft>
+              <a:buChar char="»"/>
+              <a:defRPr sz="2000">
+                <a:solidFill>
+                  <a:schemeClr val="tx1"/>
+                </a:solidFill>
+                <a:latin typeface="Arial" panose="020B0604020202020204" pitchFamily="34" charset="0"/>
+                <a:ea typeface="宋体" panose="02010600030101010101" pitchFamily="2" charset="-122"/>
+              </a:defRPr>
+            </a:lvl6pPr>
+            <a:lvl7pPr marL="2971800" indent="-228600" eaLnBrk="0" fontAlgn="base" hangingPunct="0">
+              <a:spcBef>
+                <a:spcPct val="20000"/>
+              </a:spcBef>
+              <a:spcAft>
+                <a:spcPct val="0"/>
+              </a:spcAft>
+              <a:buChar char="»"/>
+              <a:defRPr sz="2000">
+                <a:solidFill>
+                  <a:schemeClr val="tx1"/>
+                </a:solidFill>
+                <a:latin typeface="Arial" panose="020B0604020202020204" pitchFamily="34" charset="0"/>
+                <a:ea typeface="宋体" panose="02010600030101010101" pitchFamily="2" charset="-122"/>
+              </a:defRPr>
+            </a:lvl7pPr>
+            <a:lvl8pPr marL="3429000" indent="-228600" eaLnBrk="0" fontAlgn="base" hangingPunct="0">
+              <a:spcBef>
+                <a:spcPct val="20000"/>
+              </a:spcBef>
+              <a:spcAft>
+                <a:spcPct val="0"/>
+              </a:spcAft>
+              <a:buChar char="»"/>
+              <a:defRPr sz="2000">
+                <a:solidFill>
+                  <a:schemeClr val="tx1"/>
+                </a:solidFill>
+                <a:latin typeface="Arial" panose="020B0604020202020204" pitchFamily="34" charset="0"/>
+                <a:ea typeface="宋体" panose="02010600030101010101" pitchFamily="2" charset="-122"/>
+              </a:defRPr>
+            </a:lvl8pPr>
+            <a:lvl9pPr marL="3886200" indent="-228600" eaLnBrk="0" fontAlgn="base" hangingPunct="0">
+              <a:spcBef>
+                <a:spcPct val="20000"/>
+              </a:spcBef>
+              <a:spcAft>
+                <a:spcPct val="0"/>
+              </a:spcAft>
+              <a:buChar char="»"/>
+              <a:defRPr sz="2000">
+                <a:solidFill>
+                  <a:schemeClr val="tx1"/>
+                </a:solidFill>
+                <a:latin typeface="Arial" panose="020B0604020202020204" pitchFamily="34" charset="0"/>
+                <a:ea typeface="宋体" panose="02010600030101010101" pitchFamily="2" charset="-122"/>
+              </a:defRPr>
+            </a:lvl9pPr>
+          </a:lstStyle>
+          <a:p>
+            <a:pPr algn="ctr" eaLnBrk="1" hangingPunct="1">
+              <a:spcBef>
+                <a:spcPct val="0"/>
+              </a:spcBef>
+              <a:buFontTx/>
+              <a:buNone/>
+            </a:pPr>
+            <a:r>
+              <a:rPr lang="en-US" altLang="zh-CN" sz="1800" b="1" dirty="0">
+                <a:solidFill>
+                  <a:schemeClr val="bg1"/>
+                </a:solidFill>
+                <a:latin typeface="微软雅黑" panose="020B0503020204020204" pitchFamily="34" charset="-122"/>
+              </a:rPr>
+              <a:t>1</a:t>
+            </a:r>
+            <a:endParaRPr lang="zh-CN" altLang="en-US" sz="1800" b="1" dirty="0">
+              <a:solidFill>
+                <a:schemeClr val="bg1"/>
+              </a:solidFill>
+              <a:latin typeface="微软雅黑" panose="020B0503020204020204" pitchFamily="34" charset="-122"/>
+            </a:endParaRPr>
+          </a:p>
+        </p:txBody>
+      </p:sp>
+      <p:sp>
+        <p:nvSpPr>
+          <p:cNvPr id="18" name="Oval 13"/>
+          <p:cNvSpPr>
+            <a:spLocks noChangeArrowheads="1"/>
+          </p:cNvSpPr>
+          <p:nvPr/>
+        </p:nvSpPr>
+        <p:spPr bwMode="auto">
+          <a:xfrm>
+            <a:off x="4491738" y="3363838"/>
+            <a:ext cx="440302" cy="439239"/>
+          </a:xfrm>
+          <a:prstGeom prst="ellipse">
+            <a:avLst/>
+          </a:prstGeom>
+          <a:solidFill>
+            <a:srgbClr val="0070C0"/>
+          </a:solidFill>
+          <a:ln>
+            <a:noFill/>
+          </a:ln>
+          <a:effectLst>
+            <a:outerShdw blurRad="107950" dist="12700" dir="5400000" algn="ctr">
+              <a:srgbClr val="000000"/>
+            </a:outerShdw>
+          </a:effectLst>
+          <a:scene3d>
+            <a:camera prst="orthographicFront">
+              <a:rot lat="0" lon="0" rev="0"/>
+            </a:camera>
+            <a:lightRig rig="soft" dir="t">
+              <a:rot lat="0" lon="0" rev="0"/>
+            </a:lightRig>
+          </a:scene3d>
+          <a:sp3d contourW="44450" prstMaterial="matte">
+            <a:bevelT w="63500" h="63500" prst="artDeco"/>
+            <a:contourClr>
+              <a:srgbClr val="FFFFFF"/>
+            </a:contourClr>
+          </a:sp3d>
+        </p:spPr>
+        <p:txBody>
+          <a:bodyPr lIns="68543" tIns="34272" rIns="68543" bIns="34272"/>
+          <a:lstStyle>
+            <a:lvl1pPr eaLnBrk="0" hangingPunct="0">
+              <a:spcBef>
+                <a:spcPct val="20000"/>
+              </a:spcBef>
+              <a:buChar char="•"/>
+              <a:defRPr sz="2000">
+                <a:solidFill>
+                  <a:schemeClr val="accent1"/>
+                </a:solidFill>
+                <a:latin typeface="Arial" panose="020B0604020202020204" pitchFamily="34" charset="0"/>
+                <a:ea typeface="微软雅黑" panose="020B0503020204020204" pitchFamily="34" charset="-122"/>
+              </a:defRPr>
+            </a:lvl1pPr>
+            <a:lvl2pPr marL="742950" indent="-285750" eaLnBrk="0" hangingPunct="0">
+              <a:spcBef>
+                <a:spcPct val="20000"/>
+              </a:spcBef>
+              <a:buChar char="–"/>
+              <a:defRPr sz="2000">
+                <a:solidFill>
+                  <a:schemeClr val="accent1"/>
+                </a:solidFill>
+                <a:latin typeface="Arial" panose="020B0604020202020204" pitchFamily="34" charset="0"/>
+                <a:ea typeface="仿宋_GB2312" panose="02010609030101010101" pitchFamily="1" charset="-122"/>
+              </a:defRPr>
+            </a:lvl2pPr>
+            <a:lvl3pPr marL="1143000" indent="-228600" eaLnBrk="0" hangingPunct="0">
+              <a:spcBef>
+                <a:spcPct val="20000"/>
+              </a:spcBef>
+              <a:buChar char="•"/>
+              <a:defRPr sz="2400">
+                <a:solidFill>
+                  <a:schemeClr val="tx1"/>
+                </a:solidFill>
+                <a:latin typeface="Arial" panose="020B0604020202020204" pitchFamily="34" charset="0"/>
+                <a:ea typeface="宋体" panose="02010600030101010101" pitchFamily="2" charset="-122"/>
+              </a:defRPr>
+            </a:lvl3pPr>
+            <a:lvl4pPr marL="1600200" indent="-228600" eaLnBrk="0" hangingPunct="0">
+              <a:spcBef>
+                <a:spcPct val="20000"/>
+              </a:spcBef>
+              <a:buChar char="–"/>
+              <a:defRPr sz="2000">
+                <a:solidFill>
+                  <a:schemeClr val="tx1"/>
+                </a:solidFill>
+                <a:latin typeface="Arial" panose="020B0604020202020204" pitchFamily="34" charset="0"/>
+                <a:ea typeface="宋体" panose="02010600030101010101" pitchFamily="2" charset="-122"/>
+              </a:defRPr>
+            </a:lvl4pPr>
+            <a:lvl5pPr marL="2057400" indent="-228600" eaLnBrk="0" hangingPunct="0">
+              <a:spcBef>
+                <a:spcPct val="20000"/>
+              </a:spcBef>
+              <a:buChar char="»"/>
+              <a:defRPr sz="2000">
+                <a:solidFill>
+                  <a:schemeClr val="tx1"/>
+                </a:solidFill>
+                <a:latin typeface="Arial" panose="020B0604020202020204" pitchFamily="34" charset="0"/>
+                <a:ea typeface="宋体" panose="02010600030101010101" pitchFamily="2" charset="-122"/>
+              </a:defRPr>
+            </a:lvl5pPr>
+            <a:lvl6pPr marL="2514600" indent="-228600" eaLnBrk="0" fontAlgn="base" hangingPunct="0">
+              <a:spcBef>
+                <a:spcPct val="20000"/>
+              </a:spcBef>
+              <a:spcAft>
+                <a:spcPct val="0"/>
+              </a:spcAft>
+              <a:buChar char="»"/>
+              <a:defRPr sz="2000">
+                <a:solidFill>
+                  <a:schemeClr val="tx1"/>
+                </a:solidFill>
+                <a:latin typeface="Arial" panose="020B0604020202020204" pitchFamily="34" charset="0"/>
+                <a:ea typeface="宋体" panose="02010600030101010101" pitchFamily="2" charset="-122"/>
+              </a:defRPr>
+            </a:lvl6pPr>
+            <a:lvl7pPr marL="2971800" indent="-228600" eaLnBrk="0" fontAlgn="base" hangingPunct="0">
+              <a:spcBef>
+                <a:spcPct val="20000"/>
+              </a:spcBef>
+              <a:spcAft>
+                <a:spcPct val="0"/>
+              </a:spcAft>
+              <a:buChar char="»"/>
+              <a:defRPr sz="2000">
+                <a:solidFill>
+                  <a:schemeClr val="tx1"/>
+                </a:solidFill>
+                <a:latin typeface="Arial" panose="020B0604020202020204" pitchFamily="34" charset="0"/>
+                <a:ea typeface="宋体" panose="02010600030101010101" pitchFamily="2" charset="-122"/>
+              </a:defRPr>
+            </a:lvl7pPr>
+            <a:lvl8pPr marL="3429000" indent="-228600" eaLnBrk="0" fontAlgn="base" hangingPunct="0">
+              <a:spcBef>
+                <a:spcPct val="20000"/>
+              </a:spcBef>
+              <a:spcAft>
+                <a:spcPct val="0"/>
+              </a:spcAft>
+              <a:buChar char="»"/>
+              <a:defRPr sz="2000">
+                <a:solidFill>
+                  <a:schemeClr val="tx1"/>
+                </a:solidFill>
+                <a:latin typeface="Arial" panose="020B0604020202020204" pitchFamily="34" charset="0"/>
+                <a:ea typeface="宋体" panose="02010600030101010101" pitchFamily="2" charset="-122"/>
+              </a:defRPr>
+            </a:lvl8pPr>
+            <a:lvl9pPr marL="3886200" indent="-228600" eaLnBrk="0" fontAlgn="base" hangingPunct="0">
+              <a:spcBef>
+                <a:spcPct val="20000"/>
+              </a:spcBef>
+              <a:spcAft>
+                <a:spcPct val="0"/>
+              </a:spcAft>
+              <a:buChar char="»"/>
+              <a:defRPr sz="2000">
+                <a:solidFill>
+                  <a:schemeClr val="tx1"/>
+                </a:solidFill>
+                <a:latin typeface="Arial" panose="020B0604020202020204" pitchFamily="34" charset="0"/>
+                <a:ea typeface="宋体" panose="02010600030101010101" pitchFamily="2" charset="-122"/>
+              </a:defRPr>
+            </a:lvl9pPr>
+          </a:lstStyle>
+          <a:p>
+            <a:pPr algn="ctr" eaLnBrk="1" hangingPunct="1">
+              <a:spcBef>
+                <a:spcPct val="0"/>
+              </a:spcBef>
+              <a:buFontTx/>
+              <a:buNone/>
+            </a:pPr>
+            <a:r>
+              <a:rPr lang="en-US" altLang="zh-CN" sz="1800" b="1" dirty="0">
+                <a:solidFill>
+                  <a:schemeClr val="bg1"/>
+                </a:solidFill>
+                <a:latin typeface="微软雅黑" panose="020B0503020204020204" pitchFamily="34" charset="-122"/>
+              </a:rPr>
+              <a:t>2</a:t>
+            </a:r>
+            <a:endParaRPr lang="zh-CN" altLang="en-US" sz="1800" b="1" dirty="0">
+              <a:solidFill>
+                <a:schemeClr val="bg1"/>
+              </a:solidFill>
+              <a:latin typeface="微软雅黑" panose="020B0503020204020204" pitchFamily="34" charset="-122"/>
+            </a:endParaRPr>
+          </a:p>
+        </p:txBody>
+      </p:sp>
+      <p:sp>
+        <p:nvSpPr>
+          <p:cNvPr id="21" name="TextBox 21"/>
+          <p:cNvSpPr txBox="1">
+            <a:spLocks noChangeArrowheads="1"/>
+          </p:cNvSpPr>
+          <p:nvPr/>
+        </p:nvSpPr>
+        <p:spPr bwMode="auto">
+          <a:xfrm>
+            <a:off x="5102718" y="3477190"/>
+            <a:ext cx="4077794" cy="438545"/>
+          </a:xfrm>
+          <a:prstGeom prst="rect">
+            <a:avLst/>
+          </a:prstGeom>
+          <a:noFill/>
+          <a:ln>
+            <a:noFill/>
+          </a:ln>
+          <a:extLst>
+            <a:ext uri="{909E8E84-426E-40DD-AFC4-6F175D3DCCD1}">
+              <a14:hiddenFill xmlns:a14="http://schemas.microsoft.com/office/drawing/2010/main">
+                <a:solidFill>
+                  <a:srgbClr val="FFFFFF"/>
+                </a:solidFill>
+              </a14:hiddenFill>
+            </a:ext>
+            <a:ext uri="{91240B29-F687-4F45-9708-019B960494DF}">
+              <a14:hiddenLine xmlns:a14="http://schemas.microsoft.com/office/drawing/2010/main" w="9525">
+                <a:solidFill>
+                  <a:srgbClr val="000000"/>
+                </a:solidFill>
+                <a:miter lim="800000"/>
+                <a:headEnd/>
+                <a:tailEnd/>
+              </a14:hiddenLine>
+            </a:ext>
+          </a:extLst>
+        </p:spPr>
+        <p:txBody>
+          <a:bodyPr wrap="square" lIns="68543" tIns="34272" rIns="68543" bIns="34272">
+            <a:spAutoFit/>
+          </a:bodyPr>
+          <a:lstStyle>
+            <a:lvl1pPr eaLnBrk="0" hangingPunct="0">
+              <a:spcBef>
+                <a:spcPct val="20000"/>
+              </a:spcBef>
+              <a:buChar char="•"/>
+              <a:defRPr sz="2000">
+                <a:solidFill>
+                  <a:schemeClr val="accent1"/>
+                </a:solidFill>
+                <a:latin typeface="Arial" panose="020B0604020202020204" pitchFamily="34" charset="0"/>
+                <a:ea typeface="微软雅黑" panose="020B0503020204020204" pitchFamily="34" charset="-122"/>
+              </a:defRPr>
+            </a:lvl1pPr>
+            <a:lvl2pPr marL="742950" indent="-285750" eaLnBrk="0" hangingPunct="0">
+              <a:spcBef>
+                <a:spcPct val="20000"/>
+              </a:spcBef>
+              <a:buChar char="–"/>
+              <a:defRPr sz="2000">
+                <a:solidFill>
+                  <a:schemeClr val="accent1"/>
+                </a:solidFill>
+                <a:latin typeface="Arial" panose="020B0604020202020204" pitchFamily="34" charset="0"/>
+                <a:ea typeface="仿宋_GB2312" panose="02010609030101010101" pitchFamily="1" charset="-122"/>
+              </a:defRPr>
+            </a:lvl2pPr>
+            <a:lvl3pPr marL="1143000" indent="-228600" eaLnBrk="0" hangingPunct="0">
+              <a:spcBef>
+                <a:spcPct val="20000"/>
+              </a:spcBef>
+              <a:buChar char="•"/>
+              <a:defRPr sz="2400">
+                <a:solidFill>
+                  <a:schemeClr val="tx1"/>
+                </a:solidFill>
+                <a:latin typeface="Arial" panose="020B0604020202020204" pitchFamily="34" charset="0"/>
+                <a:ea typeface="宋体" panose="02010600030101010101" pitchFamily="2" charset="-122"/>
+              </a:defRPr>
+            </a:lvl3pPr>
+            <a:lvl4pPr marL="1600200" indent="-228600" eaLnBrk="0" hangingPunct="0">
+              <a:spcBef>
+                <a:spcPct val="20000"/>
+              </a:spcBef>
+              <a:buChar char="–"/>
+              <a:defRPr sz="2000">
+                <a:solidFill>
+                  <a:schemeClr val="tx1"/>
+                </a:solidFill>
+                <a:latin typeface="Arial" panose="020B0604020202020204" pitchFamily="34" charset="0"/>
+                <a:ea typeface="宋体" panose="02010600030101010101" pitchFamily="2" charset="-122"/>
+              </a:defRPr>
+            </a:lvl4pPr>
+            <a:lvl5pPr marL="2057400" indent="-228600" eaLnBrk="0" hangingPunct="0">
+              <a:spcBef>
+                <a:spcPct val="20000"/>
+              </a:spcBef>
+              <a:buChar char="»"/>
+              <a:defRPr sz="2000">
+                <a:solidFill>
+                  <a:schemeClr val="tx1"/>
+                </a:solidFill>
+                <a:latin typeface="Arial" panose="020B0604020202020204" pitchFamily="34" charset="0"/>
+                <a:ea typeface="宋体" panose="02010600030101010101" pitchFamily="2" charset="-122"/>
+              </a:defRPr>
+            </a:lvl5pPr>
+            <a:lvl6pPr marL="2514600" indent="-228600" eaLnBrk="0" fontAlgn="base" hangingPunct="0">
+              <a:spcBef>
+                <a:spcPct val="20000"/>
+              </a:spcBef>
+              <a:spcAft>
+                <a:spcPct val="0"/>
+              </a:spcAft>
+              <a:buChar char="»"/>
+              <a:defRPr sz="2000">
+                <a:solidFill>
+                  <a:schemeClr val="tx1"/>
+                </a:solidFill>
+                <a:latin typeface="Arial" panose="020B0604020202020204" pitchFamily="34" charset="0"/>
+                <a:ea typeface="宋体" panose="02010600030101010101" pitchFamily="2" charset="-122"/>
+              </a:defRPr>
+            </a:lvl6pPr>
+            <a:lvl7pPr marL="2971800" indent="-228600" eaLnBrk="0" fontAlgn="base" hangingPunct="0">
+              <a:spcBef>
+                <a:spcPct val="20000"/>
+              </a:spcBef>
+              <a:spcAft>
+                <a:spcPct val="0"/>
+              </a:spcAft>
+              <a:buChar char="»"/>
+              <a:defRPr sz="2000">
+                <a:solidFill>
+                  <a:schemeClr val="tx1"/>
+                </a:solidFill>
+                <a:latin typeface="Arial" panose="020B0604020202020204" pitchFamily="34" charset="0"/>
+                <a:ea typeface="宋体" panose="02010600030101010101" pitchFamily="2" charset="-122"/>
+              </a:defRPr>
+            </a:lvl7pPr>
+            <a:lvl8pPr marL="3429000" indent="-228600" eaLnBrk="0" fontAlgn="base" hangingPunct="0">
+              <a:spcBef>
+                <a:spcPct val="20000"/>
+              </a:spcBef>
+              <a:spcAft>
+                <a:spcPct val="0"/>
+              </a:spcAft>
+              <a:buChar char="»"/>
+              <a:defRPr sz="2000">
+                <a:solidFill>
+                  <a:schemeClr val="tx1"/>
+                </a:solidFill>
+                <a:latin typeface="Arial" panose="020B0604020202020204" pitchFamily="34" charset="0"/>
+                <a:ea typeface="宋体" panose="02010600030101010101" pitchFamily="2" charset="-122"/>
+              </a:defRPr>
+            </a:lvl8pPr>
+            <a:lvl9pPr marL="3886200" indent="-228600" eaLnBrk="0" fontAlgn="base" hangingPunct="0">
+              <a:spcBef>
+                <a:spcPct val="20000"/>
+              </a:spcBef>
+              <a:spcAft>
+                <a:spcPct val="0"/>
+              </a:spcAft>
+              <a:buChar char="»"/>
+              <a:defRPr sz="2000">
+                <a:solidFill>
+                  <a:schemeClr val="tx1"/>
+                </a:solidFill>
+                <a:latin typeface="Arial" panose="020B0604020202020204" pitchFamily="34" charset="0"/>
+                <a:ea typeface="宋体" panose="02010600030101010101" pitchFamily="2" charset="-122"/>
+              </a:defRPr>
+            </a:lvl9pPr>
+          </a:lstStyle>
+          <a:p>
+            <a:pPr eaLnBrk="1" hangingPunct="1">
+              <a:spcBef>
+                <a:spcPct val="0"/>
+              </a:spcBef>
+              <a:buFontTx/>
+              <a:buNone/>
+            </a:pPr>
+            <a:r>
+              <a:rPr lang="zh-CN" altLang="en-US" sz="1200" b="1" dirty="0" smtClean="0">
+                <a:solidFill>
+                  <a:srgbClr val="002060"/>
+                </a:solidFill>
+                <a:latin typeface="微软雅黑" panose="020B0503020204020204" pitchFamily="34" charset="-122"/>
+              </a:rPr>
+              <a:t>验证用户名和</a:t>
+            </a:r>
+            <a:r>
+              <a:rPr lang="zh-CN" altLang="en-US" sz="1200" b="1" dirty="0" smtClean="0">
+                <a:solidFill>
+                  <a:srgbClr val="002060"/>
+                </a:solidFill>
+                <a:latin typeface="微软雅黑" panose="020B0503020204020204" pitchFamily="34" charset="-122"/>
+              </a:rPr>
+              <a:t>密码，根据用户角色，判断相关权限。有六测试用户，其中最高权限的是</a:t>
+            </a:r>
+            <a:r>
+              <a:rPr lang="en-US" altLang="zh-CN" sz="1200" b="1" dirty="0" smtClean="0">
+                <a:solidFill>
+                  <a:srgbClr val="002060"/>
+                </a:solidFill>
+                <a:latin typeface="微软雅黑" panose="020B0503020204020204" pitchFamily="34" charset="-122"/>
+              </a:rPr>
+              <a:t>root</a:t>
+            </a:r>
+            <a:endParaRPr lang="zh-CN" altLang="en-US" sz="1200" b="1" dirty="0">
+              <a:solidFill>
+                <a:srgbClr val="002060"/>
+              </a:solidFill>
+              <a:latin typeface="微软雅黑" panose="020B0503020204020204" pitchFamily="34" charset="-122"/>
+            </a:endParaRPr>
+          </a:p>
+        </p:txBody>
+      </p:sp>
+      <p:sp>
+        <p:nvSpPr>
+          <p:cNvPr id="23" name="TextBox 22"/>
+          <p:cNvSpPr txBox="1">
+            <a:spLocks noChangeArrowheads="1"/>
+          </p:cNvSpPr>
+          <p:nvPr/>
+        </p:nvSpPr>
+        <p:spPr bwMode="auto">
+          <a:xfrm>
+            <a:off x="1078525" y="3477190"/>
+            <a:ext cx="3133435" cy="438545"/>
+          </a:xfrm>
+          <a:prstGeom prst="rect">
+            <a:avLst/>
+          </a:prstGeom>
+          <a:noFill/>
+          <a:ln>
+            <a:noFill/>
+          </a:ln>
+          <a:extLst>
+            <a:ext uri="{909E8E84-426E-40DD-AFC4-6F175D3DCCD1}">
+              <a14:hiddenFill xmlns:a14="http://schemas.microsoft.com/office/drawing/2010/main">
+                <a:solidFill>
+                  <a:srgbClr val="FFFFFF"/>
+                </a:solidFill>
+              </a14:hiddenFill>
+            </a:ext>
+            <a:ext uri="{91240B29-F687-4F45-9708-019B960494DF}">
+              <a14:hiddenLine xmlns:a14="http://schemas.microsoft.com/office/drawing/2010/main" w="9525">
+                <a:solidFill>
+                  <a:srgbClr val="000000"/>
+                </a:solidFill>
+                <a:miter lim="800000"/>
+                <a:headEnd/>
+                <a:tailEnd/>
+              </a14:hiddenLine>
+            </a:ext>
+          </a:extLst>
+        </p:spPr>
+        <p:txBody>
+          <a:bodyPr wrap="square" lIns="68543" tIns="34272" rIns="68543" bIns="34272">
+            <a:spAutoFit/>
+          </a:bodyPr>
+          <a:lstStyle>
+            <a:lvl1pPr eaLnBrk="0" hangingPunct="0">
+              <a:spcBef>
+                <a:spcPct val="20000"/>
+              </a:spcBef>
+              <a:buChar char="•"/>
+              <a:defRPr sz="2000">
+                <a:solidFill>
+                  <a:schemeClr val="accent1"/>
+                </a:solidFill>
+                <a:latin typeface="Arial" panose="020B0604020202020204" pitchFamily="34" charset="0"/>
+                <a:ea typeface="微软雅黑" panose="020B0503020204020204" pitchFamily="34" charset="-122"/>
+              </a:defRPr>
+            </a:lvl1pPr>
+            <a:lvl2pPr marL="742950" indent="-285750" eaLnBrk="0" hangingPunct="0">
+              <a:spcBef>
+                <a:spcPct val="20000"/>
+              </a:spcBef>
+              <a:buChar char="–"/>
+              <a:defRPr sz="2000">
+                <a:solidFill>
+                  <a:schemeClr val="accent1"/>
+                </a:solidFill>
+                <a:latin typeface="Arial" panose="020B0604020202020204" pitchFamily="34" charset="0"/>
+                <a:ea typeface="仿宋_GB2312" panose="02010609030101010101" pitchFamily="1" charset="-122"/>
+              </a:defRPr>
+            </a:lvl2pPr>
+            <a:lvl3pPr marL="1143000" indent="-228600" eaLnBrk="0" hangingPunct="0">
+              <a:spcBef>
+                <a:spcPct val="20000"/>
+              </a:spcBef>
+              <a:buChar char="•"/>
+              <a:defRPr sz="2400">
+                <a:solidFill>
+                  <a:schemeClr val="tx1"/>
+                </a:solidFill>
+                <a:latin typeface="Arial" panose="020B0604020202020204" pitchFamily="34" charset="0"/>
+                <a:ea typeface="宋体" panose="02010600030101010101" pitchFamily="2" charset="-122"/>
+              </a:defRPr>
+            </a:lvl3pPr>
+            <a:lvl4pPr marL="1600200" indent="-228600" eaLnBrk="0" hangingPunct="0">
+              <a:spcBef>
+                <a:spcPct val="20000"/>
+              </a:spcBef>
+              <a:buChar char="–"/>
+              <a:defRPr sz="2000">
+                <a:solidFill>
+                  <a:schemeClr val="tx1"/>
+                </a:solidFill>
+                <a:latin typeface="Arial" panose="020B0604020202020204" pitchFamily="34" charset="0"/>
+                <a:ea typeface="宋体" panose="02010600030101010101" pitchFamily="2" charset="-122"/>
+              </a:defRPr>
+            </a:lvl4pPr>
+            <a:lvl5pPr marL="2057400" indent="-228600" eaLnBrk="0" hangingPunct="0">
+              <a:spcBef>
+                <a:spcPct val="20000"/>
+              </a:spcBef>
+              <a:buChar char="»"/>
+              <a:defRPr sz="2000">
+                <a:solidFill>
+                  <a:schemeClr val="tx1"/>
+                </a:solidFill>
+                <a:latin typeface="Arial" panose="020B0604020202020204" pitchFamily="34" charset="0"/>
+                <a:ea typeface="宋体" panose="02010600030101010101" pitchFamily="2" charset="-122"/>
+              </a:defRPr>
+            </a:lvl5pPr>
+            <a:lvl6pPr marL="2514600" indent="-228600" eaLnBrk="0" fontAlgn="base" hangingPunct="0">
+              <a:spcBef>
+                <a:spcPct val="20000"/>
+              </a:spcBef>
+              <a:spcAft>
+                <a:spcPct val="0"/>
+              </a:spcAft>
+              <a:buChar char="»"/>
+              <a:defRPr sz="2000">
+                <a:solidFill>
+                  <a:schemeClr val="tx1"/>
+                </a:solidFill>
+                <a:latin typeface="Arial" panose="020B0604020202020204" pitchFamily="34" charset="0"/>
+                <a:ea typeface="宋体" panose="02010600030101010101" pitchFamily="2" charset="-122"/>
+              </a:defRPr>
+            </a:lvl6pPr>
+            <a:lvl7pPr marL="2971800" indent="-228600" eaLnBrk="0" fontAlgn="base" hangingPunct="0">
+              <a:spcBef>
+                <a:spcPct val="20000"/>
+              </a:spcBef>
+              <a:spcAft>
+                <a:spcPct val="0"/>
+              </a:spcAft>
+              <a:buChar char="»"/>
+              <a:defRPr sz="2000">
+                <a:solidFill>
+                  <a:schemeClr val="tx1"/>
+                </a:solidFill>
+                <a:latin typeface="Arial" panose="020B0604020202020204" pitchFamily="34" charset="0"/>
+                <a:ea typeface="宋体" panose="02010600030101010101" pitchFamily="2" charset="-122"/>
+              </a:defRPr>
+            </a:lvl7pPr>
+            <a:lvl8pPr marL="3429000" indent="-228600" eaLnBrk="0" fontAlgn="base" hangingPunct="0">
+              <a:spcBef>
+                <a:spcPct val="20000"/>
+              </a:spcBef>
+              <a:spcAft>
+                <a:spcPct val="0"/>
+              </a:spcAft>
+              <a:buChar char="»"/>
+              <a:defRPr sz="2000">
+                <a:solidFill>
+                  <a:schemeClr val="tx1"/>
+                </a:solidFill>
+                <a:latin typeface="Arial" panose="020B0604020202020204" pitchFamily="34" charset="0"/>
+                <a:ea typeface="宋体" panose="02010600030101010101" pitchFamily="2" charset="-122"/>
+              </a:defRPr>
+            </a:lvl8pPr>
+            <a:lvl9pPr marL="3886200" indent="-228600" eaLnBrk="0" fontAlgn="base" hangingPunct="0">
+              <a:spcBef>
+                <a:spcPct val="20000"/>
+              </a:spcBef>
+              <a:spcAft>
+                <a:spcPct val="0"/>
+              </a:spcAft>
+              <a:buChar char="»"/>
+              <a:defRPr sz="2000">
+                <a:solidFill>
+                  <a:schemeClr val="tx1"/>
+                </a:solidFill>
+                <a:latin typeface="Arial" panose="020B0604020202020204" pitchFamily="34" charset="0"/>
+                <a:ea typeface="宋体" panose="02010600030101010101" pitchFamily="2" charset="-122"/>
+              </a:defRPr>
+            </a:lvl9pPr>
+          </a:lstStyle>
+          <a:p>
+            <a:pPr eaLnBrk="1" hangingPunct="1">
+              <a:spcBef>
+                <a:spcPct val="0"/>
+              </a:spcBef>
+              <a:buFontTx/>
+              <a:buNone/>
+            </a:pPr>
+            <a:r>
+              <a:rPr lang="zh-CN" altLang="en-US" sz="1200" b="1" dirty="0" smtClean="0">
+                <a:solidFill>
+                  <a:srgbClr val="002060"/>
+                </a:solidFill>
+                <a:latin typeface="微软雅黑" panose="020B0503020204020204" pitchFamily="34" charset="-122"/>
+              </a:rPr>
+              <a:t>使用</a:t>
+            </a:r>
+            <a:r>
+              <a:rPr lang="en-US" altLang="zh-CN" sz="1200" b="1" dirty="0" err="1" smtClean="0">
+                <a:solidFill>
+                  <a:srgbClr val="002060"/>
+                </a:solidFill>
+                <a:latin typeface="微软雅黑" panose="020B0503020204020204" pitchFamily="34" charset="-122"/>
+              </a:rPr>
+              <a:t>vuex</a:t>
+            </a:r>
+            <a:r>
+              <a:rPr lang="zh-CN" altLang="en-US" sz="1200" b="1" dirty="0" smtClean="0">
+                <a:solidFill>
+                  <a:srgbClr val="002060"/>
+                </a:solidFill>
+                <a:latin typeface="微软雅黑" panose="020B0503020204020204" pitchFamily="34" charset="-122"/>
+              </a:rPr>
+              <a:t>实现用户登录，并且结合</a:t>
+            </a:r>
+            <a:r>
+              <a:rPr lang="en-US" altLang="zh-CN" sz="1200" b="1" dirty="0" err="1" smtClean="0">
+                <a:solidFill>
+                  <a:srgbClr val="002060"/>
+                </a:solidFill>
+                <a:latin typeface="微软雅黑" panose="020B0503020204020204" pitchFamily="34" charset="-122"/>
+              </a:rPr>
+              <a:t>sessionStorage</a:t>
+            </a:r>
+            <a:r>
+              <a:rPr lang="zh-CN" altLang="en-US" sz="1200" b="1" dirty="0" smtClean="0">
+                <a:solidFill>
+                  <a:srgbClr val="002060"/>
+                </a:solidFill>
+                <a:latin typeface="微软雅黑" panose="020B0503020204020204" pitchFamily="34" charset="-122"/>
+              </a:rPr>
+              <a:t>修复</a:t>
+            </a:r>
+            <a:r>
+              <a:rPr lang="en-US" altLang="zh-CN" sz="1200" b="1" dirty="0" err="1" smtClean="0">
+                <a:solidFill>
+                  <a:srgbClr val="002060"/>
+                </a:solidFill>
+                <a:latin typeface="微软雅黑" panose="020B0503020204020204" pitchFamily="34" charset="-122"/>
+              </a:rPr>
+              <a:t>vuex</a:t>
+            </a:r>
+            <a:r>
+              <a:rPr lang="zh-CN" altLang="en-US" sz="1200" b="1" dirty="0" smtClean="0">
+                <a:solidFill>
+                  <a:srgbClr val="002060"/>
+                </a:solidFill>
+                <a:latin typeface="微软雅黑" panose="020B0503020204020204" pitchFamily="34" charset="-122"/>
+              </a:rPr>
+              <a:t>刷新丢失的问题</a:t>
+            </a:r>
+            <a:endParaRPr lang="zh-CN" altLang="en-US" sz="1200" b="1" dirty="0">
+              <a:solidFill>
+                <a:srgbClr val="002060"/>
+              </a:solidFill>
+              <a:latin typeface="微软雅黑" panose="020B0503020204020204" pitchFamily="34" charset="-122"/>
+            </a:endParaRPr>
+          </a:p>
+        </p:txBody>
+      </p:sp>
+      <p:pic>
+        <p:nvPicPr>
+          <p:cNvPr id="1026" name="Picture 2"/>
+          <p:cNvPicPr>
+            <a:picLocks noChangeAspect="1" noChangeArrowheads="1"/>
+          </p:cNvPicPr>
+          <p:nvPr/>
+        </p:nvPicPr>
+        <p:blipFill>
+          <a:blip r:embed="rId2" cstate="print">
+            <a:extLst>
+              <a:ext uri="{28A0092B-C50C-407E-A947-70E740481C1C}">
+                <a14:useLocalDpi xmlns:a14="http://schemas.microsoft.com/office/drawing/2010/main" val="0"/>
+              </a:ext>
+            </a:extLst>
+          </a:blip>
+          <a:srcRect/>
+          <a:stretch>
+            <a:fillRect/>
+          </a:stretch>
+        </p:blipFill>
+        <p:spPr bwMode="auto">
+          <a:xfrm>
+            <a:off x="400122" y="1239602"/>
+            <a:ext cx="2922357" cy="1437464"/>
+          </a:xfrm>
+          <a:prstGeom prst="rect">
+            <a:avLst/>
+          </a:prstGeom>
+          <a:noFill/>
+          <a:ln>
+            <a:noFill/>
+          </a:ln>
+          <a:extLst>
+            <a:ext uri="{909E8E84-426E-40DD-AFC4-6F175D3DCCD1}">
+              <a14:hiddenFill xmlns:a14="http://schemas.microsoft.com/office/drawing/2010/main">
+                <a:solidFill>
+                  <a:schemeClr val="accent1"/>
+                </a:solidFill>
+              </a14:hiddenFill>
+            </a:ext>
+            <a:ext uri="{91240B29-F687-4F45-9708-019B960494DF}">
+              <a14:hiddenLine xmlns:a14="http://schemas.microsoft.com/office/drawing/2010/main" w="9525">
+                <a:solidFill>
+                  <a:schemeClr val="tx1"/>
+                </a:solidFill>
+                <a:miter lim="800000"/>
+                <a:headEnd/>
+                <a:tailEnd/>
+              </a14:hiddenLine>
+            </a:ext>
+          </a:extLst>
+        </p:spPr>
+      </p:pic>
+      <p:pic>
+        <p:nvPicPr>
+          <p:cNvPr id="1027" name="Picture 3"/>
+          <p:cNvPicPr>
+            <a:picLocks noChangeAspect="1" noChangeArrowheads="1"/>
+          </p:cNvPicPr>
+          <p:nvPr/>
+        </p:nvPicPr>
+        <p:blipFill>
+          <a:blip r:embed="rId3" cstate="print">
+            <a:extLst>
+              <a:ext uri="{28A0092B-C50C-407E-A947-70E740481C1C}">
+                <a14:useLocalDpi xmlns:a14="http://schemas.microsoft.com/office/drawing/2010/main" val="0"/>
+              </a:ext>
+            </a:extLst>
+          </a:blip>
+          <a:srcRect/>
+          <a:stretch>
+            <a:fillRect/>
+          </a:stretch>
+        </p:blipFill>
+        <p:spPr bwMode="auto">
+          <a:xfrm>
+            <a:off x="3578682" y="1203312"/>
+            <a:ext cx="2706716" cy="1624030"/>
+          </a:xfrm>
+          <a:prstGeom prst="rect">
+            <a:avLst/>
+          </a:prstGeom>
+          <a:noFill/>
+          <a:ln>
+            <a:noFill/>
+          </a:ln>
+          <a:extLst>
+            <a:ext uri="{909E8E84-426E-40DD-AFC4-6F175D3DCCD1}">
+              <a14:hiddenFill xmlns:a14="http://schemas.microsoft.com/office/drawing/2010/main">
+                <a:solidFill>
+                  <a:schemeClr val="accent1"/>
+                </a:solidFill>
+              </a14:hiddenFill>
+            </a:ext>
+            <a:ext uri="{91240B29-F687-4F45-9708-019B960494DF}">
+              <a14:hiddenLine xmlns:a14="http://schemas.microsoft.com/office/drawing/2010/main" w="9525">
+                <a:solidFill>
+                  <a:schemeClr val="tx1"/>
+                </a:solidFill>
+                <a:miter lim="800000"/>
+                <a:headEnd/>
+                <a:tailEnd/>
+              </a14:hiddenLine>
+            </a:ext>
+          </a:extLst>
+        </p:spPr>
+      </p:pic>
+      <p:pic>
+        <p:nvPicPr>
+          <p:cNvPr id="1028" name="Picture 4"/>
+          <p:cNvPicPr>
+            <a:picLocks noChangeAspect="1" noChangeArrowheads="1"/>
+          </p:cNvPicPr>
+          <p:nvPr/>
+        </p:nvPicPr>
+        <p:blipFill>
+          <a:blip r:embed="rId4" cstate="print">
+            <a:extLst>
+              <a:ext uri="{28A0092B-C50C-407E-A947-70E740481C1C}">
+                <a14:useLocalDpi xmlns:a14="http://schemas.microsoft.com/office/drawing/2010/main" val="0"/>
+              </a:ext>
+            </a:extLst>
+          </a:blip>
+          <a:srcRect/>
+          <a:stretch>
+            <a:fillRect/>
+          </a:stretch>
+        </p:blipFill>
+        <p:spPr bwMode="auto">
+          <a:xfrm>
+            <a:off x="6365041" y="1183786"/>
+            <a:ext cx="2778959" cy="1643556"/>
+          </a:xfrm>
+          <a:prstGeom prst="rect">
+            <a:avLst/>
+          </a:prstGeom>
+          <a:noFill/>
+          <a:ln>
+            <a:noFill/>
+          </a:ln>
+          <a:extLst>
+            <a:ext uri="{909E8E84-426E-40DD-AFC4-6F175D3DCCD1}">
+              <a14:hiddenFill xmlns:a14="http://schemas.microsoft.com/office/drawing/2010/main">
+                <a:solidFill>
+                  <a:schemeClr val="accent1"/>
+                </a:solidFill>
+              </a14:hiddenFill>
+            </a:ext>
+            <a:ext uri="{91240B29-F687-4F45-9708-019B960494DF}">
+              <a14:hiddenLine xmlns:a14="http://schemas.microsoft.com/office/drawing/2010/main" w="9525">
+                <a:solidFill>
+                  <a:schemeClr val="tx1"/>
+                </a:solidFill>
+                <a:miter lim="800000"/>
+                <a:headEnd/>
+                <a:tailEnd/>
+              </a14:hiddenLine>
+            </a:ext>
+          </a:extLst>
+        </p:spPr>
+      </p:pic>
     </p:spTree>
     <p:extLst>
       <p:ext uri="{BB962C8B-B14F-4D97-AF65-F5344CB8AC3E}">
-        <p14:creationId xmlns:p14="http://schemas.microsoft.com/office/powerpoint/2010/main" val="1770561341"/>
+        <p14:creationId xmlns:p14="http://schemas.microsoft.com/office/powerpoint/2010/main" val="2710084045"/>
       </p:ext>
     </p:extLst>
   </p:cSld>
@@ -14682,7 +15476,7 @@
                             </p:stCondLst>
                             <p:childTnLst>
                               <p:par>
-                                <p:cTn id="5" presetID="53" presetClass="entr" presetSubtype="16" fill="hold" nodeType="withEffect">
+                                <p:cTn id="5" presetID="1" presetClass="entr" presetSubtype="0" fill="hold" grpId="0" nodeType="afterEffect">
                                   <p:stCondLst>
                                     <p:cond delay="0"/>
                                   </p:stCondLst>
@@ -14695,7 +15489,7 @@
                                           </p:stCondLst>
                                         </p:cTn>
                                         <p:tgtEl>
-                                          <p:spTgt spid="143"/>
+                                          <p:spTgt spid="15"/>
                                         </p:tgtEl>
                                         <p:attrNameLst>
                                           <p:attrName>style.visibility</p:attrName>
@@ -14705,57 +15499,144 @@
                                         <p:strVal val="visible"/>
                                       </p:to>
                                     </p:set>
-                                    <p:anim calcmode="lin" valueType="num">
+                                  </p:childTnLst>
+                                </p:cTn>
+                              </p:par>
+                              <p:par>
+                                <p:cTn id="7" presetID="1" presetClass="entr" presetSubtype="0" fill="hold" grpId="0" nodeType="withEffect">
+                                  <p:stCondLst>
+                                    <p:cond delay="0"/>
+                                  </p:stCondLst>
+                                  <p:childTnLst>
+                                    <p:set>
                                       <p:cBhvr>
-                                        <p:cTn id="7" dur="500" fill="hold"/>
+                                        <p:cTn id="8" dur="1" fill="hold">
+                                          <p:stCondLst>
+                                            <p:cond delay="0"/>
+                                          </p:stCondLst>
+                                        </p:cTn>
                                         <p:tgtEl>
-                                          <p:spTgt spid="143"/>
+                                          <p:spTgt spid="18"/>
                                         </p:tgtEl>
                                         <p:attrNameLst>
-                                          <p:attrName>ppt_w</p:attrName>
+                                          <p:attrName>style.visibility</p:attrName>
                                         </p:attrNameLst>
                                       </p:cBhvr>
-                                      <p:tavLst>
-                                        <p:tav tm="0">
-                                          <p:val>
-                                            <p:fltVal val="0"/>
-                                          </p:val>
-                                        </p:tav>
-                                        <p:tav tm="100000">
-                                          <p:val>
-                                            <p:strVal val="#ppt_w"/>
-                                          </p:val>
-                                        </p:tav>
-                                      </p:tavLst>
-                                    </p:anim>
-                                    <p:anim calcmode="lin" valueType="num">
+                                      <p:to>
+                                        <p:strVal val="visible"/>
+                                      </p:to>
+                                    </p:set>
+                                  </p:childTnLst>
+                                </p:cTn>
+                              </p:par>
+                              <p:par>
+                                <p:cTn id="9" presetID="35" presetClass="path" presetSubtype="0" accel="50000" decel="50000" fill="hold" grpId="1" nodeType="withEffect">
+                                  <p:stCondLst>
+                                    <p:cond delay="0"/>
+                                  </p:stCondLst>
+                                  <p:childTnLst>
+                                    <p:animMotion origin="layout" path="M 2.29608E-6 1.11111E-6 L -0.17354 0.29051 " pathEditMode="relative" rAng="0" ptsTypes="AA">
                                       <p:cBhvr>
-                                        <p:cTn id="8" dur="500" fill="hold"/>
+                                        <p:cTn id="10" dur="500" spd="-99900" fill="hold"/>
                                         <p:tgtEl>
-                                          <p:spTgt spid="143"/>
+                                          <p:spTgt spid="15"/>
                                         </p:tgtEl>
                                         <p:attrNameLst>
-                                          <p:attrName>ppt_h</p:attrName>
+                                          <p:attrName>ppt_x</p:attrName>
+                                          <p:attrName>ppt_y</p:attrName>
                                         </p:attrNameLst>
                                       </p:cBhvr>
-                                      <p:tavLst>
-                                        <p:tav tm="0">
-                                          <p:val>
-                                            <p:fltVal val="0"/>
-                                          </p:val>
-                                        </p:tav>
-                                        <p:tav tm="100000">
-                                          <p:val>
-                                            <p:strVal val="#ppt_h"/>
-                                          </p:val>
-                                        </p:tav>
-                                      </p:tavLst>
-                                    </p:anim>
-                                    <p:animEffect transition="in" filter="fade">
+                                      <p:rCtr x="-8600" y="14500"/>
+                                    </p:animMotion>
+                                  </p:childTnLst>
+                                </p:cTn>
+                              </p:par>
+                              <p:par>
+                                <p:cTn id="11" presetID="35" presetClass="path" presetSubtype="0" accel="50000" decel="50000" fill="hold" grpId="1" nodeType="withEffect">
+                                  <p:stCondLst>
+                                    <p:cond delay="0"/>
+                                  </p:stCondLst>
+                                  <p:childTnLst>
+                                    <p:animMotion origin="layout" path="M 2.35202E-6 -2.59259E-6 L -0.23143 0.15556 " pathEditMode="relative" rAng="0" ptsTypes="AA">
                                       <p:cBhvr>
-                                        <p:cTn id="9" dur="500"/>
+                                        <p:cTn id="12" dur="500" spd="-99900" fill="hold"/>
                                         <p:tgtEl>
-                                          <p:spTgt spid="143"/>
+                                          <p:spTgt spid="18"/>
+                                        </p:tgtEl>
+                                        <p:attrNameLst>
+                                          <p:attrName>ppt_x</p:attrName>
+                                          <p:attrName>ppt_y</p:attrName>
+                                        </p:attrNameLst>
+                                      </p:cBhvr>
+                                      <p:rCtr x="-11500" y="7800"/>
+                                    </p:animMotion>
+                                  </p:childTnLst>
+                                </p:cTn>
+                              </p:par>
+                              <p:par>
+                                <p:cTn id="13" presetID="22" presetClass="entr" presetSubtype="8" fill="hold" grpId="0" nodeType="withEffect">
+                                  <p:stCondLst>
+                                    <p:cond delay="0"/>
+                                  </p:stCondLst>
+                                  <p:childTnLst>
+                                    <p:set>
+                                      <p:cBhvr>
+                                        <p:cTn id="14" dur="1" fill="hold">
+                                          <p:stCondLst>
+                                            <p:cond delay="0"/>
+                                          </p:stCondLst>
+                                        </p:cTn>
+                                        <p:tgtEl>
+                                          <p:spTgt spid="21"/>
+                                        </p:tgtEl>
+                                        <p:attrNameLst>
+                                          <p:attrName>style.visibility</p:attrName>
+                                        </p:attrNameLst>
+                                      </p:cBhvr>
+                                      <p:to>
+                                        <p:strVal val="visible"/>
+                                      </p:to>
+                                    </p:set>
+                                    <p:animEffect transition="in" filter="wipe(left)">
+                                      <p:cBhvr>
+                                        <p:cTn id="15" dur="500"/>
+                                        <p:tgtEl>
+                                          <p:spTgt spid="21"/>
+                                        </p:tgtEl>
+                                      </p:cBhvr>
+                                    </p:animEffect>
+                                  </p:childTnLst>
+                                </p:cTn>
+                              </p:par>
+                              <p:par>
+                                <p:cTn id="16" presetID="22" presetClass="entr" presetSubtype="8" fill="hold" grpId="0" nodeType="withEffect">
+                                  <p:stCondLst>
+                                    <p:cond delay="0"/>
+                                  </p:stCondLst>
+                                  <p:childTnLst>
+                                    <p:set>
+                                      <p:cBhvr>
+                                        <p:cTn id="17" dur="1" fill="hold">
+                                          <p:stCondLst>
+                                            <p:cond delay="0"/>
+                                          </p:stCondLst>
+                                        </p:cTn>
+                                        <p:tgtEl>
+                                          <p:spTgt spid="23"/>
+                                        </p:tgtEl>
+                                        <p:attrNameLst>
+                                          <p:attrName>style.visibility</p:attrName>
+                                        </p:attrNameLst>
+                                      </p:cBhvr>
+                                      <p:to>
+                                        <p:strVal val="visible"/>
+                                      </p:to>
+                                    </p:set>
+                                    <p:animEffect transition="in" filter="wipe(left)">
+                                      <p:cBhvr>
+                                        <p:cTn id="18" dur="500"/>
+                                        <p:tgtEl>
+                                          <p:spTgt spid="23"/>
                                         </p:tgtEl>
                                       </p:cBhvr>
                                     </p:animEffect>
@@ -14789,11 +15670,1967 @@
         </p:cTn>
       </p:par>
     </p:tnLst>
+    <p:bldLst>
+      <p:bldP spid="15" grpId="0" animBg="1" autoUpdateAnimBg="0"/>
+      <p:bldP spid="15" grpId="1" animBg="1" autoUpdateAnimBg="0"/>
+      <p:bldP spid="18" grpId="0" animBg="1" autoUpdateAnimBg="0"/>
+      <p:bldP spid="18" grpId="1" animBg="1" autoUpdateAnimBg="0"/>
+      <p:bldP spid="21" grpId="0" autoUpdateAnimBg="0"/>
+      <p:bldP spid="23" grpId="0" autoUpdateAnimBg="0"/>
+    </p:bldLst>
   </p:timing>
 </p:sld>
 </file>
 
 <file path=ppt/slides/slide16.xml><?xml version="1.0" encoding="utf-8"?>
+<p:sld xmlns:a="http://schemas.openxmlformats.org/drawingml/2006/main" xmlns:r="http://schemas.openxmlformats.org/officeDocument/2006/relationships" xmlns:p="http://schemas.openxmlformats.org/presentationml/2006/main">
+  <p:cSld>
+    <p:spTree>
+      <p:nvGrpSpPr>
+        <p:cNvPr id="1" name=""/>
+        <p:cNvGrpSpPr/>
+        <p:nvPr/>
+      </p:nvGrpSpPr>
+      <p:grpSpPr>
+        <a:xfrm>
+          <a:off x="0" y="0"/>
+          <a:ext cx="0" cy="0"/>
+          <a:chOff x="0" y="0"/>
+          <a:chExt cx="0" cy="0"/>
+        </a:xfrm>
+      </p:grpSpPr>
+      <p:sp>
+        <p:nvSpPr>
+          <p:cNvPr id="2" name="TextBox 1"/>
+          <p:cNvSpPr txBox="1"/>
+          <p:nvPr/>
+        </p:nvSpPr>
+        <p:spPr>
+          <a:xfrm>
+            <a:off x="1835696" y="123478"/>
+            <a:ext cx="5328592" cy="523220"/>
+          </a:xfrm>
+          <a:prstGeom prst="rect">
+            <a:avLst/>
+          </a:prstGeom>
+          <a:noFill/>
+        </p:spPr>
+        <p:txBody>
+          <a:bodyPr wrap="square" rtlCol="0">
+            <a:spAutoFit/>
+          </a:bodyPr>
+          <a:lstStyle/>
+          <a:p>
+            <a:pPr algn="ctr"/>
+            <a:r>
+              <a:rPr lang="zh-CN" altLang="en-US" sz="2800" dirty="0" smtClean="0">
+                <a:solidFill>
+                  <a:srgbClr val="0070C0"/>
+                </a:solidFill>
+                <a:latin typeface="微软雅黑" panose="020B0503020204020204" pitchFamily="34" charset="-122"/>
+                <a:ea typeface="微软雅黑" panose="020B0503020204020204" pitchFamily="34" charset="-122"/>
+              </a:rPr>
+              <a:t>个人主页</a:t>
+            </a:r>
+            <a:r>
+              <a:rPr lang="zh-CN" altLang="en-US" sz="2800" dirty="0" smtClean="0">
+                <a:solidFill>
+                  <a:srgbClr val="0070C0"/>
+                </a:solidFill>
+                <a:latin typeface="微软雅黑" panose="020B0503020204020204" pitchFamily="34" charset="-122"/>
+                <a:ea typeface="微软雅黑" panose="020B0503020204020204" pitchFamily="34" charset="-122"/>
+              </a:rPr>
+              <a:t>（梁明明）</a:t>
+            </a:r>
+            <a:endParaRPr lang="zh-CN" altLang="en-US" sz="2800" dirty="0">
+              <a:solidFill>
+                <a:srgbClr val="0070C0"/>
+              </a:solidFill>
+              <a:latin typeface="微软雅黑" panose="020B0503020204020204" pitchFamily="34" charset="-122"/>
+              <a:ea typeface="微软雅黑" panose="020B0503020204020204" pitchFamily="34" charset="-122"/>
+            </a:endParaRPr>
+          </a:p>
+        </p:txBody>
+      </p:sp>
+      <p:sp>
+        <p:nvSpPr>
+          <p:cNvPr id="15" name="Oval 10"/>
+          <p:cNvSpPr>
+            <a:spLocks noChangeArrowheads="1"/>
+          </p:cNvSpPr>
+          <p:nvPr/>
+        </p:nvSpPr>
+        <p:spPr bwMode="auto">
+          <a:xfrm>
+            <a:off x="302298" y="3219822"/>
+            <a:ext cx="439112" cy="439239"/>
+          </a:xfrm>
+          <a:prstGeom prst="ellipse">
+            <a:avLst/>
+          </a:prstGeom>
+          <a:solidFill>
+            <a:srgbClr val="0070C0"/>
+          </a:solidFill>
+          <a:ln>
+            <a:noFill/>
+          </a:ln>
+          <a:effectLst>
+            <a:outerShdw blurRad="107950" dist="12700" dir="5400000" algn="ctr">
+              <a:srgbClr val="000000"/>
+            </a:outerShdw>
+          </a:effectLst>
+          <a:scene3d>
+            <a:camera prst="orthographicFront">
+              <a:rot lat="0" lon="0" rev="0"/>
+            </a:camera>
+            <a:lightRig rig="soft" dir="t">
+              <a:rot lat="0" lon="0" rev="0"/>
+            </a:lightRig>
+          </a:scene3d>
+          <a:sp3d contourW="44450" prstMaterial="matte">
+            <a:bevelT w="63500" h="63500" prst="artDeco"/>
+            <a:contourClr>
+              <a:srgbClr val="FFFFFF"/>
+            </a:contourClr>
+          </a:sp3d>
+        </p:spPr>
+        <p:txBody>
+          <a:bodyPr lIns="68543" tIns="34272" rIns="68543" bIns="34272"/>
+          <a:lstStyle>
+            <a:lvl1pPr eaLnBrk="0" hangingPunct="0">
+              <a:spcBef>
+                <a:spcPct val="20000"/>
+              </a:spcBef>
+              <a:buChar char="•"/>
+              <a:defRPr sz="2000">
+                <a:solidFill>
+                  <a:schemeClr val="accent1"/>
+                </a:solidFill>
+                <a:latin typeface="Arial" panose="020B0604020202020204" pitchFamily="34" charset="0"/>
+                <a:ea typeface="微软雅黑" panose="020B0503020204020204" pitchFamily="34" charset="-122"/>
+              </a:defRPr>
+            </a:lvl1pPr>
+            <a:lvl2pPr marL="742950" indent="-285750" eaLnBrk="0" hangingPunct="0">
+              <a:spcBef>
+                <a:spcPct val="20000"/>
+              </a:spcBef>
+              <a:buChar char="–"/>
+              <a:defRPr sz="2000">
+                <a:solidFill>
+                  <a:schemeClr val="accent1"/>
+                </a:solidFill>
+                <a:latin typeface="Arial" panose="020B0604020202020204" pitchFamily="34" charset="0"/>
+                <a:ea typeface="仿宋_GB2312" panose="02010609030101010101" pitchFamily="1" charset="-122"/>
+              </a:defRPr>
+            </a:lvl2pPr>
+            <a:lvl3pPr marL="1143000" indent="-228600" eaLnBrk="0" hangingPunct="0">
+              <a:spcBef>
+                <a:spcPct val="20000"/>
+              </a:spcBef>
+              <a:buChar char="•"/>
+              <a:defRPr sz="2400">
+                <a:solidFill>
+                  <a:schemeClr val="tx1"/>
+                </a:solidFill>
+                <a:latin typeface="Arial" panose="020B0604020202020204" pitchFamily="34" charset="0"/>
+                <a:ea typeface="宋体" panose="02010600030101010101" pitchFamily="2" charset="-122"/>
+              </a:defRPr>
+            </a:lvl3pPr>
+            <a:lvl4pPr marL="1600200" indent="-228600" eaLnBrk="0" hangingPunct="0">
+              <a:spcBef>
+                <a:spcPct val="20000"/>
+              </a:spcBef>
+              <a:buChar char="–"/>
+              <a:defRPr sz="2000">
+                <a:solidFill>
+                  <a:schemeClr val="tx1"/>
+                </a:solidFill>
+                <a:latin typeface="Arial" panose="020B0604020202020204" pitchFamily="34" charset="0"/>
+                <a:ea typeface="宋体" panose="02010600030101010101" pitchFamily="2" charset="-122"/>
+              </a:defRPr>
+            </a:lvl4pPr>
+            <a:lvl5pPr marL="2057400" indent="-228600" eaLnBrk="0" hangingPunct="0">
+              <a:spcBef>
+                <a:spcPct val="20000"/>
+              </a:spcBef>
+              <a:buChar char="»"/>
+              <a:defRPr sz="2000">
+                <a:solidFill>
+                  <a:schemeClr val="tx1"/>
+                </a:solidFill>
+                <a:latin typeface="Arial" panose="020B0604020202020204" pitchFamily="34" charset="0"/>
+                <a:ea typeface="宋体" panose="02010600030101010101" pitchFamily="2" charset="-122"/>
+              </a:defRPr>
+            </a:lvl5pPr>
+            <a:lvl6pPr marL="2514600" indent="-228600" eaLnBrk="0" fontAlgn="base" hangingPunct="0">
+              <a:spcBef>
+                <a:spcPct val="20000"/>
+              </a:spcBef>
+              <a:spcAft>
+                <a:spcPct val="0"/>
+              </a:spcAft>
+              <a:buChar char="»"/>
+              <a:defRPr sz="2000">
+                <a:solidFill>
+                  <a:schemeClr val="tx1"/>
+                </a:solidFill>
+                <a:latin typeface="Arial" panose="020B0604020202020204" pitchFamily="34" charset="0"/>
+                <a:ea typeface="宋体" panose="02010600030101010101" pitchFamily="2" charset="-122"/>
+              </a:defRPr>
+            </a:lvl6pPr>
+            <a:lvl7pPr marL="2971800" indent="-228600" eaLnBrk="0" fontAlgn="base" hangingPunct="0">
+              <a:spcBef>
+                <a:spcPct val="20000"/>
+              </a:spcBef>
+              <a:spcAft>
+                <a:spcPct val="0"/>
+              </a:spcAft>
+              <a:buChar char="»"/>
+              <a:defRPr sz="2000">
+                <a:solidFill>
+                  <a:schemeClr val="tx1"/>
+                </a:solidFill>
+                <a:latin typeface="Arial" panose="020B0604020202020204" pitchFamily="34" charset="0"/>
+                <a:ea typeface="宋体" panose="02010600030101010101" pitchFamily="2" charset="-122"/>
+              </a:defRPr>
+            </a:lvl7pPr>
+            <a:lvl8pPr marL="3429000" indent="-228600" eaLnBrk="0" fontAlgn="base" hangingPunct="0">
+              <a:spcBef>
+                <a:spcPct val="20000"/>
+              </a:spcBef>
+              <a:spcAft>
+                <a:spcPct val="0"/>
+              </a:spcAft>
+              <a:buChar char="»"/>
+              <a:defRPr sz="2000">
+                <a:solidFill>
+                  <a:schemeClr val="tx1"/>
+                </a:solidFill>
+                <a:latin typeface="Arial" panose="020B0604020202020204" pitchFamily="34" charset="0"/>
+                <a:ea typeface="宋体" panose="02010600030101010101" pitchFamily="2" charset="-122"/>
+              </a:defRPr>
+            </a:lvl8pPr>
+            <a:lvl9pPr marL="3886200" indent="-228600" eaLnBrk="0" fontAlgn="base" hangingPunct="0">
+              <a:spcBef>
+                <a:spcPct val="20000"/>
+              </a:spcBef>
+              <a:spcAft>
+                <a:spcPct val="0"/>
+              </a:spcAft>
+              <a:buChar char="»"/>
+              <a:defRPr sz="2000">
+                <a:solidFill>
+                  <a:schemeClr val="tx1"/>
+                </a:solidFill>
+                <a:latin typeface="Arial" panose="020B0604020202020204" pitchFamily="34" charset="0"/>
+                <a:ea typeface="宋体" panose="02010600030101010101" pitchFamily="2" charset="-122"/>
+              </a:defRPr>
+            </a:lvl9pPr>
+          </a:lstStyle>
+          <a:p>
+            <a:pPr algn="ctr" eaLnBrk="1" hangingPunct="1">
+              <a:spcBef>
+                <a:spcPct val="0"/>
+              </a:spcBef>
+              <a:buFontTx/>
+              <a:buNone/>
+            </a:pPr>
+            <a:r>
+              <a:rPr lang="en-US" altLang="zh-CN" sz="1800" b="1" dirty="0">
+                <a:solidFill>
+                  <a:schemeClr val="bg1"/>
+                </a:solidFill>
+                <a:latin typeface="微软雅黑" panose="020B0503020204020204" pitchFamily="34" charset="-122"/>
+              </a:rPr>
+              <a:t>2</a:t>
+            </a:r>
+            <a:endParaRPr lang="zh-CN" altLang="en-US" sz="1800" b="1" dirty="0">
+              <a:solidFill>
+                <a:schemeClr val="bg1"/>
+              </a:solidFill>
+              <a:latin typeface="微软雅黑" panose="020B0503020204020204" pitchFamily="34" charset="-122"/>
+            </a:endParaRPr>
+          </a:p>
+        </p:txBody>
+      </p:sp>
+      <p:sp>
+        <p:nvSpPr>
+          <p:cNvPr id="23" name="TextBox 22"/>
+          <p:cNvSpPr txBox="1">
+            <a:spLocks noChangeArrowheads="1"/>
+          </p:cNvSpPr>
+          <p:nvPr/>
+        </p:nvSpPr>
+        <p:spPr bwMode="auto">
+          <a:xfrm>
+            <a:off x="998263" y="3333174"/>
+            <a:ext cx="2709641" cy="623211"/>
+          </a:xfrm>
+          <a:prstGeom prst="rect">
+            <a:avLst/>
+          </a:prstGeom>
+          <a:noFill/>
+          <a:ln>
+            <a:noFill/>
+          </a:ln>
+          <a:extLst>
+            <a:ext uri="{909E8E84-426E-40DD-AFC4-6F175D3DCCD1}">
+              <a14:hiddenFill xmlns:a14="http://schemas.microsoft.com/office/drawing/2010/main">
+                <a:solidFill>
+                  <a:srgbClr val="FFFFFF"/>
+                </a:solidFill>
+              </a14:hiddenFill>
+            </a:ext>
+            <a:ext uri="{91240B29-F687-4F45-9708-019B960494DF}">
+              <a14:hiddenLine xmlns:a14="http://schemas.microsoft.com/office/drawing/2010/main" w="9525">
+                <a:solidFill>
+                  <a:srgbClr val="000000"/>
+                </a:solidFill>
+                <a:miter lim="800000"/>
+                <a:headEnd/>
+                <a:tailEnd/>
+              </a14:hiddenLine>
+            </a:ext>
+          </a:extLst>
+        </p:spPr>
+        <p:txBody>
+          <a:bodyPr lIns="68543" tIns="34272" rIns="68543" bIns="34272">
+            <a:spAutoFit/>
+          </a:bodyPr>
+          <a:lstStyle>
+            <a:lvl1pPr eaLnBrk="0" hangingPunct="0">
+              <a:spcBef>
+                <a:spcPct val="20000"/>
+              </a:spcBef>
+              <a:buChar char="•"/>
+              <a:defRPr sz="2000">
+                <a:solidFill>
+                  <a:schemeClr val="accent1"/>
+                </a:solidFill>
+                <a:latin typeface="Arial" panose="020B0604020202020204" pitchFamily="34" charset="0"/>
+                <a:ea typeface="微软雅黑" panose="020B0503020204020204" pitchFamily="34" charset="-122"/>
+              </a:defRPr>
+            </a:lvl1pPr>
+            <a:lvl2pPr marL="742950" indent="-285750" eaLnBrk="0" hangingPunct="0">
+              <a:spcBef>
+                <a:spcPct val="20000"/>
+              </a:spcBef>
+              <a:buChar char="–"/>
+              <a:defRPr sz="2000">
+                <a:solidFill>
+                  <a:schemeClr val="accent1"/>
+                </a:solidFill>
+                <a:latin typeface="Arial" panose="020B0604020202020204" pitchFamily="34" charset="0"/>
+                <a:ea typeface="仿宋_GB2312" panose="02010609030101010101" pitchFamily="1" charset="-122"/>
+              </a:defRPr>
+            </a:lvl2pPr>
+            <a:lvl3pPr marL="1143000" indent="-228600" eaLnBrk="0" hangingPunct="0">
+              <a:spcBef>
+                <a:spcPct val="20000"/>
+              </a:spcBef>
+              <a:buChar char="•"/>
+              <a:defRPr sz="2400">
+                <a:solidFill>
+                  <a:schemeClr val="tx1"/>
+                </a:solidFill>
+                <a:latin typeface="Arial" panose="020B0604020202020204" pitchFamily="34" charset="0"/>
+                <a:ea typeface="宋体" panose="02010600030101010101" pitchFamily="2" charset="-122"/>
+              </a:defRPr>
+            </a:lvl3pPr>
+            <a:lvl4pPr marL="1600200" indent="-228600" eaLnBrk="0" hangingPunct="0">
+              <a:spcBef>
+                <a:spcPct val="20000"/>
+              </a:spcBef>
+              <a:buChar char="–"/>
+              <a:defRPr sz="2000">
+                <a:solidFill>
+                  <a:schemeClr val="tx1"/>
+                </a:solidFill>
+                <a:latin typeface="Arial" panose="020B0604020202020204" pitchFamily="34" charset="0"/>
+                <a:ea typeface="宋体" panose="02010600030101010101" pitchFamily="2" charset="-122"/>
+              </a:defRPr>
+            </a:lvl4pPr>
+            <a:lvl5pPr marL="2057400" indent="-228600" eaLnBrk="0" hangingPunct="0">
+              <a:spcBef>
+                <a:spcPct val="20000"/>
+              </a:spcBef>
+              <a:buChar char="»"/>
+              <a:defRPr sz="2000">
+                <a:solidFill>
+                  <a:schemeClr val="tx1"/>
+                </a:solidFill>
+                <a:latin typeface="Arial" panose="020B0604020202020204" pitchFamily="34" charset="0"/>
+                <a:ea typeface="宋体" panose="02010600030101010101" pitchFamily="2" charset="-122"/>
+              </a:defRPr>
+            </a:lvl5pPr>
+            <a:lvl6pPr marL="2514600" indent="-228600" eaLnBrk="0" fontAlgn="base" hangingPunct="0">
+              <a:spcBef>
+                <a:spcPct val="20000"/>
+              </a:spcBef>
+              <a:spcAft>
+                <a:spcPct val="0"/>
+              </a:spcAft>
+              <a:buChar char="»"/>
+              <a:defRPr sz="2000">
+                <a:solidFill>
+                  <a:schemeClr val="tx1"/>
+                </a:solidFill>
+                <a:latin typeface="Arial" panose="020B0604020202020204" pitchFamily="34" charset="0"/>
+                <a:ea typeface="宋体" panose="02010600030101010101" pitchFamily="2" charset="-122"/>
+              </a:defRPr>
+            </a:lvl6pPr>
+            <a:lvl7pPr marL="2971800" indent="-228600" eaLnBrk="0" fontAlgn="base" hangingPunct="0">
+              <a:spcBef>
+                <a:spcPct val="20000"/>
+              </a:spcBef>
+              <a:spcAft>
+                <a:spcPct val="0"/>
+              </a:spcAft>
+              <a:buChar char="»"/>
+              <a:defRPr sz="2000">
+                <a:solidFill>
+                  <a:schemeClr val="tx1"/>
+                </a:solidFill>
+                <a:latin typeface="Arial" panose="020B0604020202020204" pitchFamily="34" charset="0"/>
+                <a:ea typeface="宋体" panose="02010600030101010101" pitchFamily="2" charset="-122"/>
+              </a:defRPr>
+            </a:lvl7pPr>
+            <a:lvl8pPr marL="3429000" indent="-228600" eaLnBrk="0" fontAlgn="base" hangingPunct="0">
+              <a:spcBef>
+                <a:spcPct val="20000"/>
+              </a:spcBef>
+              <a:spcAft>
+                <a:spcPct val="0"/>
+              </a:spcAft>
+              <a:buChar char="»"/>
+              <a:defRPr sz="2000">
+                <a:solidFill>
+                  <a:schemeClr val="tx1"/>
+                </a:solidFill>
+                <a:latin typeface="Arial" panose="020B0604020202020204" pitchFamily="34" charset="0"/>
+                <a:ea typeface="宋体" panose="02010600030101010101" pitchFamily="2" charset="-122"/>
+              </a:defRPr>
+            </a:lvl8pPr>
+            <a:lvl9pPr marL="3886200" indent="-228600" eaLnBrk="0" fontAlgn="base" hangingPunct="0">
+              <a:spcBef>
+                <a:spcPct val="20000"/>
+              </a:spcBef>
+              <a:spcAft>
+                <a:spcPct val="0"/>
+              </a:spcAft>
+              <a:buChar char="»"/>
+              <a:defRPr sz="2000">
+                <a:solidFill>
+                  <a:schemeClr val="tx1"/>
+                </a:solidFill>
+                <a:latin typeface="Arial" panose="020B0604020202020204" pitchFamily="34" charset="0"/>
+                <a:ea typeface="宋体" panose="02010600030101010101" pitchFamily="2" charset="-122"/>
+              </a:defRPr>
+            </a:lvl9pPr>
+          </a:lstStyle>
+          <a:p>
+            <a:pPr eaLnBrk="1" hangingPunct="1">
+              <a:spcBef>
+                <a:spcPct val="0"/>
+              </a:spcBef>
+              <a:buFontTx/>
+              <a:buNone/>
+            </a:pPr>
+            <a:r>
+              <a:rPr lang="zh-CN" altLang="en-US" sz="1200" b="1" dirty="0" smtClean="0">
+                <a:solidFill>
+                  <a:srgbClr val="002060"/>
+                </a:solidFill>
+                <a:latin typeface="微软雅黑" panose="020B0503020204020204" pitchFamily="34" charset="-122"/>
+              </a:rPr>
+              <a:t>搜索功能 </a:t>
+            </a:r>
+            <a:r>
+              <a:rPr lang="en-US" altLang="zh-CN" sz="1200" b="1" dirty="0" smtClean="0">
+                <a:solidFill>
+                  <a:srgbClr val="002060"/>
+                </a:solidFill>
+                <a:latin typeface="微软雅黑" panose="020B0503020204020204" pitchFamily="34" charset="-122"/>
+              </a:rPr>
+              <a:t>– </a:t>
+            </a:r>
+            <a:r>
+              <a:rPr lang="zh-CN" altLang="en-US" sz="1200" b="1" dirty="0" smtClean="0">
+                <a:solidFill>
+                  <a:srgbClr val="002060"/>
+                </a:solidFill>
+                <a:latin typeface="微软雅黑" panose="020B0503020204020204" pitchFamily="34" charset="-122"/>
+              </a:rPr>
+              <a:t>向后台发送用户输入信息，</a:t>
+            </a:r>
+            <a:r>
+              <a:rPr lang="zh-CN" altLang="en-US" sz="1200" b="1" dirty="0" smtClean="0">
+                <a:solidFill>
+                  <a:srgbClr val="002060"/>
+                </a:solidFill>
+                <a:latin typeface="微软雅黑" panose="020B0503020204020204" pitchFamily="34" charset="-122"/>
+              </a:rPr>
+              <a:t>并且返回将返回的</a:t>
+            </a:r>
+            <a:r>
+              <a:rPr lang="en-US" altLang="zh-CN" sz="1200" b="1" dirty="0" err="1" smtClean="0">
+                <a:solidFill>
+                  <a:srgbClr val="002060"/>
+                </a:solidFill>
+                <a:latin typeface="微软雅黑" panose="020B0503020204020204" pitchFamily="34" charset="-122"/>
+              </a:rPr>
+              <a:t>json</a:t>
+            </a:r>
+            <a:r>
+              <a:rPr lang="zh-CN" altLang="en-US" sz="1200" b="1" dirty="0" smtClean="0">
+                <a:solidFill>
+                  <a:srgbClr val="002060"/>
+                </a:solidFill>
+                <a:latin typeface="微软雅黑" panose="020B0503020204020204" pitchFamily="34" charset="-122"/>
+              </a:rPr>
+              <a:t>数据渲染到页面</a:t>
+            </a:r>
+            <a:endParaRPr lang="zh-CN" altLang="en-US" sz="1200" b="1" dirty="0">
+              <a:solidFill>
+                <a:srgbClr val="002060"/>
+              </a:solidFill>
+              <a:latin typeface="微软雅黑" panose="020B0503020204020204" pitchFamily="34" charset="-122"/>
+            </a:endParaRPr>
+          </a:p>
+        </p:txBody>
+      </p:sp>
+      <p:pic>
+        <p:nvPicPr>
+          <p:cNvPr id="2050" name="Picture 2"/>
+          <p:cNvPicPr>
+            <a:picLocks noChangeAspect="1" noChangeArrowheads="1"/>
+          </p:cNvPicPr>
+          <p:nvPr/>
+        </p:nvPicPr>
+        <p:blipFill>
+          <a:blip r:embed="rId2" cstate="print">
+            <a:extLst>
+              <a:ext uri="{28A0092B-C50C-407E-A947-70E740481C1C}">
+                <a14:useLocalDpi xmlns:a14="http://schemas.microsoft.com/office/drawing/2010/main" val="0"/>
+              </a:ext>
+            </a:extLst>
+          </a:blip>
+          <a:srcRect/>
+          <a:stretch>
+            <a:fillRect/>
+          </a:stretch>
+        </p:blipFill>
+        <p:spPr bwMode="auto">
+          <a:xfrm>
+            <a:off x="251521" y="996268"/>
+            <a:ext cx="2016224" cy="1086227"/>
+          </a:xfrm>
+          <a:prstGeom prst="rect">
+            <a:avLst/>
+          </a:prstGeom>
+          <a:noFill/>
+          <a:ln>
+            <a:noFill/>
+          </a:ln>
+          <a:extLst>
+            <a:ext uri="{909E8E84-426E-40DD-AFC4-6F175D3DCCD1}">
+              <a14:hiddenFill xmlns:a14="http://schemas.microsoft.com/office/drawing/2010/main">
+                <a:solidFill>
+                  <a:schemeClr val="accent1"/>
+                </a:solidFill>
+              </a14:hiddenFill>
+            </a:ext>
+            <a:ext uri="{91240B29-F687-4F45-9708-019B960494DF}">
+              <a14:hiddenLine xmlns:a14="http://schemas.microsoft.com/office/drawing/2010/main" w="9525">
+                <a:solidFill>
+                  <a:schemeClr val="tx1"/>
+                </a:solidFill>
+                <a:miter lim="800000"/>
+                <a:headEnd/>
+                <a:tailEnd/>
+              </a14:hiddenLine>
+            </a:ext>
+          </a:extLst>
+        </p:spPr>
+      </p:pic>
+      <p:pic>
+        <p:nvPicPr>
+          <p:cNvPr id="2051" name="Picture 3"/>
+          <p:cNvPicPr>
+            <a:picLocks noChangeAspect="1" noChangeArrowheads="1"/>
+          </p:cNvPicPr>
+          <p:nvPr/>
+        </p:nvPicPr>
+        <p:blipFill>
+          <a:blip r:embed="rId3" cstate="print">
+            <a:extLst>
+              <a:ext uri="{28A0092B-C50C-407E-A947-70E740481C1C}">
+                <a14:useLocalDpi xmlns:a14="http://schemas.microsoft.com/office/drawing/2010/main" val="0"/>
+              </a:ext>
+            </a:extLst>
+          </a:blip>
+          <a:srcRect/>
+          <a:stretch>
+            <a:fillRect/>
+          </a:stretch>
+        </p:blipFill>
+        <p:spPr bwMode="auto">
+          <a:xfrm>
+            <a:off x="3203847" y="996269"/>
+            <a:ext cx="2016225" cy="1086227"/>
+          </a:xfrm>
+          <a:prstGeom prst="rect">
+            <a:avLst/>
+          </a:prstGeom>
+          <a:noFill/>
+          <a:ln>
+            <a:noFill/>
+          </a:ln>
+          <a:extLst>
+            <a:ext uri="{909E8E84-426E-40DD-AFC4-6F175D3DCCD1}">
+              <a14:hiddenFill xmlns:a14="http://schemas.microsoft.com/office/drawing/2010/main">
+                <a:solidFill>
+                  <a:schemeClr val="accent1"/>
+                </a:solidFill>
+              </a14:hiddenFill>
+            </a:ext>
+            <a:ext uri="{91240B29-F687-4F45-9708-019B960494DF}">
+              <a14:hiddenLine xmlns:a14="http://schemas.microsoft.com/office/drawing/2010/main" w="9525">
+                <a:solidFill>
+                  <a:schemeClr val="tx1"/>
+                </a:solidFill>
+                <a:miter lim="800000"/>
+                <a:headEnd/>
+                <a:tailEnd/>
+              </a14:hiddenLine>
+            </a:ext>
+          </a:extLst>
+        </p:spPr>
+      </p:pic>
+      <p:pic>
+        <p:nvPicPr>
+          <p:cNvPr id="2053" name="Picture 5"/>
+          <p:cNvPicPr>
+            <a:picLocks noChangeAspect="1" noChangeArrowheads="1"/>
+          </p:cNvPicPr>
+          <p:nvPr/>
+        </p:nvPicPr>
+        <p:blipFill>
+          <a:blip r:embed="rId4" cstate="print">
+            <a:extLst>
+              <a:ext uri="{28A0092B-C50C-407E-A947-70E740481C1C}">
+                <a14:useLocalDpi xmlns:a14="http://schemas.microsoft.com/office/drawing/2010/main" val="0"/>
+              </a:ext>
+            </a:extLst>
+          </a:blip>
+          <a:srcRect/>
+          <a:stretch>
+            <a:fillRect/>
+          </a:stretch>
+        </p:blipFill>
+        <p:spPr bwMode="auto">
+          <a:xfrm>
+            <a:off x="5940152" y="811129"/>
+            <a:ext cx="2160240" cy="1456507"/>
+          </a:xfrm>
+          <a:prstGeom prst="rect">
+            <a:avLst/>
+          </a:prstGeom>
+          <a:noFill/>
+          <a:ln>
+            <a:noFill/>
+          </a:ln>
+          <a:extLst>
+            <a:ext uri="{909E8E84-426E-40DD-AFC4-6F175D3DCCD1}">
+              <a14:hiddenFill xmlns:a14="http://schemas.microsoft.com/office/drawing/2010/main">
+                <a:solidFill>
+                  <a:schemeClr val="accent1"/>
+                </a:solidFill>
+              </a14:hiddenFill>
+            </a:ext>
+            <a:ext uri="{91240B29-F687-4F45-9708-019B960494DF}">
+              <a14:hiddenLine xmlns:a14="http://schemas.microsoft.com/office/drawing/2010/main" w="9525">
+                <a:solidFill>
+                  <a:schemeClr val="tx1"/>
+                </a:solidFill>
+                <a:miter lim="800000"/>
+                <a:headEnd/>
+                <a:tailEnd/>
+              </a14:hiddenLine>
+            </a:ext>
+          </a:extLst>
+        </p:spPr>
+      </p:pic>
+      <p:pic>
+        <p:nvPicPr>
+          <p:cNvPr id="2054" name="Picture 6"/>
+          <p:cNvPicPr>
+            <a:picLocks noChangeAspect="1" noChangeArrowheads="1"/>
+          </p:cNvPicPr>
+          <p:nvPr/>
+        </p:nvPicPr>
+        <p:blipFill>
+          <a:blip r:embed="rId5" cstate="print">
+            <a:extLst>
+              <a:ext uri="{28A0092B-C50C-407E-A947-70E740481C1C}">
+                <a14:useLocalDpi xmlns:a14="http://schemas.microsoft.com/office/drawing/2010/main" val="0"/>
+              </a:ext>
+            </a:extLst>
+          </a:blip>
+          <a:srcRect/>
+          <a:stretch>
+            <a:fillRect/>
+          </a:stretch>
+        </p:blipFill>
+        <p:spPr bwMode="auto">
+          <a:xfrm>
+            <a:off x="5940152" y="2639386"/>
+            <a:ext cx="2160240" cy="1827234"/>
+          </a:xfrm>
+          <a:prstGeom prst="rect">
+            <a:avLst/>
+          </a:prstGeom>
+          <a:noFill/>
+          <a:ln>
+            <a:noFill/>
+          </a:ln>
+          <a:extLst>
+            <a:ext uri="{909E8E84-426E-40DD-AFC4-6F175D3DCCD1}">
+              <a14:hiddenFill xmlns:a14="http://schemas.microsoft.com/office/drawing/2010/main">
+                <a:solidFill>
+                  <a:schemeClr val="accent1"/>
+                </a:solidFill>
+              </a14:hiddenFill>
+            </a:ext>
+            <a:ext uri="{91240B29-F687-4F45-9708-019B960494DF}">
+              <a14:hiddenLine xmlns:a14="http://schemas.microsoft.com/office/drawing/2010/main" w="9525">
+                <a:solidFill>
+                  <a:schemeClr val="tx1"/>
+                </a:solidFill>
+                <a:miter lim="800000"/>
+                <a:headEnd/>
+                <a:tailEnd/>
+              </a14:hiddenLine>
+            </a:ext>
+          </a:extLst>
+        </p:spPr>
+      </p:pic>
+      <p:sp>
+        <p:nvSpPr>
+          <p:cNvPr id="16" name="Oval 10"/>
+          <p:cNvSpPr>
+            <a:spLocks noChangeArrowheads="1"/>
+          </p:cNvSpPr>
+          <p:nvPr/>
+        </p:nvSpPr>
+        <p:spPr bwMode="auto">
+          <a:xfrm>
+            <a:off x="323528" y="2427734"/>
+            <a:ext cx="439112" cy="439239"/>
+          </a:xfrm>
+          <a:prstGeom prst="ellipse">
+            <a:avLst/>
+          </a:prstGeom>
+          <a:solidFill>
+            <a:srgbClr val="0070C0"/>
+          </a:solidFill>
+          <a:ln>
+            <a:noFill/>
+          </a:ln>
+          <a:effectLst>
+            <a:outerShdw blurRad="107950" dist="12700" dir="5400000" algn="ctr">
+              <a:srgbClr val="000000"/>
+            </a:outerShdw>
+          </a:effectLst>
+          <a:scene3d>
+            <a:camera prst="orthographicFront">
+              <a:rot lat="0" lon="0" rev="0"/>
+            </a:camera>
+            <a:lightRig rig="soft" dir="t">
+              <a:rot lat="0" lon="0" rev="0"/>
+            </a:lightRig>
+          </a:scene3d>
+          <a:sp3d contourW="44450" prstMaterial="matte">
+            <a:bevelT w="63500" h="63500" prst="artDeco"/>
+            <a:contourClr>
+              <a:srgbClr val="FFFFFF"/>
+            </a:contourClr>
+          </a:sp3d>
+        </p:spPr>
+        <p:txBody>
+          <a:bodyPr lIns="68543" tIns="34272" rIns="68543" bIns="34272"/>
+          <a:lstStyle>
+            <a:lvl1pPr eaLnBrk="0" hangingPunct="0">
+              <a:spcBef>
+                <a:spcPct val="20000"/>
+              </a:spcBef>
+              <a:buChar char="•"/>
+              <a:defRPr sz="2000">
+                <a:solidFill>
+                  <a:schemeClr val="accent1"/>
+                </a:solidFill>
+                <a:latin typeface="Arial" panose="020B0604020202020204" pitchFamily="34" charset="0"/>
+                <a:ea typeface="微软雅黑" panose="020B0503020204020204" pitchFamily="34" charset="-122"/>
+              </a:defRPr>
+            </a:lvl1pPr>
+            <a:lvl2pPr marL="742950" indent="-285750" eaLnBrk="0" hangingPunct="0">
+              <a:spcBef>
+                <a:spcPct val="20000"/>
+              </a:spcBef>
+              <a:buChar char="–"/>
+              <a:defRPr sz="2000">
+                <a:solidFill>
+                  <a:schemeClr val="accent1"/>
+                </a:solidFill>
+                <a:latin typeface="Arial" panose="020B0604020202020204" pitchFamily="34" charset="0"/>
+                <a:ea typeface="仿宋_GB2312" panose="02010609030101010101" pitchFamily="1" charset="-122"/>
+              </a:defRPr>
+            </a:lvl2pPr>
+            <a:lvl3pPr marL="1143000" indent="-228600" eaLnBrk="0" hangingPunct="0">
+              <a:spcBef>
+                <a:spcPct val="20000"/>
+              </a:spcBef>
+              <a:buChar char="•"/>
+              <a:defRPr sz="2400">
+                <a:solidFill>
+                  <a:schemeClr val="tx1"/>
+                </a:solidFill>
+                <a:latin typeface="Arial" panose="020B0604020202020204" pitchFamily="34" charset="0"/>
+                <a:ea typeface="宋体" panose="02010600030101010101" pitchFamily="2" charset="-122"/>
+              </a:defRPr>
+            </a:lvl3pPr>
+            <a:lvl4pPr marL="1600200" indent="-228600" eaLnBrk="0" hangingPunct="0">
+              <a:spcBef>
+                <a:spcPct val="20000"/>
+              </a:spcBef>
+              <a:buChar char="–"/>
+              <a:defRPr sz="2000">
+                <a:solidFill>
+                  <a:schemeClr val="tx1"/>
+                </a:solidFill>
+                <a:latin typeface="Arial" panose="020B0604020202020204" pitchFamily="34" charset="0"/>
+                <a:ea typeface="宋体" panose="02010600030101010101" pitchFamily="2" charset="-122"/>
+              </a:defRPr>
+            </a:lvl4pPr>
+            <a:lvl5pPr marL="2057400" indent="-228600" eaLnBrk="0" hangingPunct="0">
+              <a:spcBef>
+                <a:spcPct val="20000"/>
+              </a:spcBef>
+              <a:buChar char="»"/>
+              <a:defRPr sz="2000">
+                <a:solidFill>
+                  <a:schemeClr val="tx1"/>
+                </a:solidFill>
+                <a:latin typeface="Arial" panose="020B0604020202020204" pitchFamily="34" charset="0"/>
+                <a:ea typeface="宋体" panose="02010600030101010101" pitchFamily="2" charset="-122"/>
+              </a:defRPr>
+            </a:lvl5pPr>
+            <a:lvl6pPr marL="2514600" indent="-228600" eaLnBrk="0" fontAlgn="base" hangingPunct="0">
+              <a:spcBef>
+                <a:spcPct val="20000"/>
+              </a:spcBef>
+              <a:spcAft>
+                <a:spcPct val="0"/>
+              </a:spcAft>
+              <a:buChar char="»"/>
+              <a:defRPr sz="2000">
+                <a:solidFill>
+                  <a:schemeClr val="tx1"/>
+                </a:solidFill>
+                <a:latin typeface="Arial" panose="020B0604020202020204" pitchFamily="34" charset="0"/>
+                <a:ea typeface="宋体" panose="02010600030101010101" pitchFamily="2" charset="-122"/>
+              </a:defRPr>
+            </a:lvl6pPr>
+            <a:lvl7pPr marL="2971800" indent="-228600" eaLnBrk="0" fontAlgn="base" hangingPunct="0">
+              <a:spcBef>
+                <a:spcPct val="20000"/>
+              </a:spcBef>
+              <a:spcAft>
+                <a:spcPct val="0"/>
+              </a:spcAft>
+              <a:buChar char="»"/>
+              <a:defRPr sz="2000">
+                <a:solidFill>
+                  <a:schemeClr val="tx1"/>
+                </a:solidFill>
+                <a:latin typeface="Arial" panose="020B0604020202020204" pitchFamily="34" charset="0"/>
+                <a:ea typeface="宋体" panose="02010600030101010101" pitchFamily="2" charset="-122"/>
+              </a:defRPr>
+            </a:lvl7pPr>
+            <a:lvl8pPr marL="3429000" indent="-228600" eaLnBrk="0" fontAlgn="base" hangingPunct="0">
+              <a:spcBef>
+                <a:spcPct val="20000"/>
+              </a:spcBef>
+              <a:spcAft>
+                <a:spcPct val="0"/>
+              </a:spcAft>
+              <a:buChar char="»"/>
+              <a:defRPr sz="2000">
+                <a:solidFill>
+                  <a:schemeClr val="tx1"/>
+                </a:solidFill>
+                <a:latin typeface="Arial" panose="020B0604020202020204" pitchFamily="34" charset="0"/>
+                <a:ea typeface="宋体" panose="02010600030101010101" pitchFamily="2" charset="-122"/>
+              </a:defRPr>
+            </a:lvl8pPr>
+            <a:lvl9pPr marL="3886200" indent="-228600" eaLnBrk="0" fontAlgn="base" hangingPunct="0">
+              <a:spcBef>
+                <a:spcPct val="20000"/>
+              </a:spcBef>
+              <a:spcAft>
+                <a:spcPct val="0"/>
+              </a:spcAft>
+              <a:buChar char="»"/>
+              <a:defRPr sz="2000">
+                <a:solidFill>
+                  <a:schemeClr val="tx1"/>
+                </a:solidFill>
+                <a:latin typeface="Arial" panose="020B0604020202020204" pitchFamily="34" charset="0"/>
+                <a:ea typeface="宋体" panose="02010600030101010101" pitchFamily="2" charset="-122"/>
+              </a:defRPr>
+            </a:lvl9pPr>
+          </a:lstStyle>
+          <a:p>
+            <a:pPr algn="ctr" eaLnBrk="1" hangingPunct="1">
+              <a:spcBef>
+                <a:spcPct val="0"/>
+              </a:spcBef>
+              <a:buFontTx/>
+              <a:buNone/>
+            </a:pPr>
+            <a:r>
+              <a:rPr lang="en-US" altLang="zh-CN" sz="1800" b="1" dirty="0">
+                <a:solidFill>
+                  <a:schemeClr val="bg1"/>
+                </a:solidFill>
+                <a:latin typeface="微软雅黑" panose="020B0503020204020204" pitchFamily="34" charset="-122"/>
+              </a:rPr>
+              <a:t>1</a:t>
+            </a:r>
+            <a:endParaRPr lang="zh-CN" altLang="en-US" sz="1800" b="1" dirty="0">
+              <a:solidFill>
+                <a:schemeClr val="bg1"/>
+              </a:solidFill>
+              <a:latin typeface="微软雅黑" panose="020B0503020204020204" pitchFamily="34" charset="-122"/>
+            </a:endParaRPr>
+          </a:p>
+        </p:txBody>
+      </p:sp>
+      <p:sp>
+        <p:nvSpPr>
+          <p:cNvPr id="17" name="TextBox 16"/>
+          <p:cNvSpPr txBox="1">
+            <a:spLocks noChangeArrowheads="1"/>
+          </p:cNvSpPr>
+          <p:nvPr/>
+        </p:nvSpPr>
+        <p:spPr bwMode="auto">
+          <a:xfrm>
+            <a:off x="1019493" y="2541086"/>
+            <a:ext cx="2709641" cy="438545"/>
+          </a:xfrm>
+          <a:prstGeom prst="rect">
+            <a:avLst/>
+          </a:prstGeom>
+          <a:noFill/>
+          <a:ln>
+            <a:noFill/>
+          </a:ln>
+          <a:extLst>
+            <a:ext uri="{909E8E84-426E-40DD-AFC4-6F175D3DCCD1}">
+              <a14:hiddenFill xmlns:a14="http://schemas.microsoft.com/office/drawing/2010/main">
+                <a:solidFill>
+                  <a:srgbClr val="FFFFFF"/>
+                </a:solidFill>
+              </a14:hiddenFill>
+            </a:ext>
+            <a:ext uri="{91240B29-F687-4F45-9708-019B960494DF}">
+              <a14:hiddenLine xmlns:a14="http://schemas.microsoft.com/office/drawing/2010/main" w="9525">
+                <a:solidFill>
+                  <a:srgbClr val="000000"/>
+                </a:solidFill>
+                <a:miter lim="800000"/>
+                <a:headEnd/>
+                <a:tailEnd/>
+              </a14:hiddenLine>
+            </a:ext>
+          </a:extLst>
+        </p:spPr>
+        <p:txBody>
+          <a:bodyPr lIns="68543" tIns="34272" rIns="68543" bIns="34272">
+            <a:spAutoFit/>
+          </a:bodyPr>
+          <a:lstStyle>
+            <a:lvl1pPr eaLnBrk="0" hangingPunct="0">
+              <a:spcBef>
+                <a:spcPct val="20000"/>
+              </a:spcBef>
+              <a:buChar char="•"/>
+              <a:defRPr sz="2000">
+                <a:solidFill>
+                  <a:schemeClr val="accent1"/>
+                </a:solidFill>
+                <a:latin typeface="Arial" panose="020B0604020202020204" pitchFamily="34" charset="0"/>
+                <a:ea typeface="微软雅黑" panose="020B0503020204020204" pitchFamily="34" charset="-122"/>
+              </a:defRPr>
+            </a:lvl1pPr>
+            <a:lvl2pPr marL="742950" indent="-285750" eaLnBrk="0" hangingPunct="0">
+              <a:spcBef>
+                <a:spcPct val="20000"/>
+              </a:spcBef>
+              <a:buChar char="–"/>
+              <a:defRPr sz="2000">
+                <a:solidFill>
+                  <a:schemeClr val="accent1"/>
+                </a:solidFill>
+                <a:latin typeface="Arial" panose="020B0604020202020204" pitchFamily="34" charset="0"/>
+                <a:ea typeface="仿宋_GB2312" panose="02010609030101010101" pitchFamily="1" charset="-122"/>
+              </a:defRPr>
+            </a:lvl2pPr>
+            <a:lvl3pPr marL="1143000" indent="-228600" eaLnBrk="0" hangingPunct="0">
+              <a:spcBef>
+                <a:spcPct val="20000"/>
+              </a:spcBef>
+              <a:buChar char="•"/>
+              <a:defRPr sz="2400">
+                <a:solidFill>
+                  <a:schemeClr val="tx1"/>
+                </a:solidFill>
+                <a:latin typeface="Arial" panose="020B0604020202020204" pitchFamily="34" charset="0"/>
+                <a:ea typeface="宋体" panose="02010600030101010101" pitchFamily="2" charset="-122"/>
+              </a:defRPr>
+            </a:lvl3pPr>
+            <a:lvl4pPr marL="1600200" indent="-228600" eaLnBrk="0" hangingPunct="0">
+              <a:spcBef>
+                <a:spcPct val="20000"/>
+              </a:spcBef>
+              <a:buChar char="–"/>
+              <a:defRPr sz="2000">
+                <a:solidFill>
+                  <a:schemeClr val="tx1"/>
+                </a:solidFill>
+                <a:latin typeface="Arial" panose="020B0604020202020204" pitchFamily="34" charset="0"/>
+                <a:ea typeface="宋体" panose="02010600030101010101" pitchFamily="2" charset="-122"/>
+              </a:defRPr>
+            </a:lvl4pPr>
+            <a:lvl5pPr marL="2057400" indent="-228600" eaLnBrk="0" hangingPunct="0">
+              <a:spcBef>
+                <a:spcPct val="20000"/>
+              </a:spcBef>
+              <a:buChar char="»"/>
+              <a:defRPr sz="2000">
+                <a:solidFill>
+                  <a:schemeClr val="tx1"/>
+                </a:solidFill>
+                <a:latin typeface="Arial" panose="020B0604020202020204" pitchFamily="34" charset="0"/>
+                <a:ea typeface="宋体" panose="02010600030101010101" pitchFamily="2" charset="-122"/>
+              </a:defRPr>
+            </a:lvl5pPr>
+            <a:lvl6pPr marL="2514600" indent="-228600" eaLnBrk="0" fontAlgn="base" hangingPunct="0">
+              <a:spcBef>
+                <a:spcPct val="20000"/>
+              </a:spcBef>
+              <a:spcAft>
+                <a:spcPct val="0"/>
+              </a:spcAft>
+              <a:buChar char="»"/>
+              <a:defRPr sz="2000">
+                <a:solidFill>
+                  <a:schemeClr val="tx1"/>
+                </a:solidFill>
+                <a:latin typeface="Arial" panose="020B0604020202020204" pitchFamily="34" charset="0"/>
+                <a:ea typeface="宋体" panose="02010600030101010101" pitchFamily="2" charset="-122"/>
+              </a:defRPr>
+            </a:lvl6pPr>
+            <a:lvl7pPr marL="2971800" indent="-228600" eaLnBrk="0" fontAlgn="base" hangingPunct="0">
+              <a:spcBef>
+                <a:spcPct val="20000"/>
+              </a:spcBef>
+              <a:spcAft>
+                <a:spcPct val="0"/>
+              </a:spcAft>
+              <a:buChar char="»"/>
+              <a:defRPr sz="2000">
+                <a:solidFill>
+                  <a:schemeClr val="tx1"/>
+                </a:solidFill>
+                <a:latin typeface="Arial" panose="020B0604020202020204" pitchFamily="34" charset="0"/>
+                <a:ea typeface="宋体" panose="02010600030101010101" pitchFamily="2" charset="-122"/>
+              </a:defRPr>
+            </a:lvl7pPr>
+            <a:lvl8pPr marL="3429000" indent="-228600" eaLnBrk="0" fontAlgn="base" hangingPunct="0">
+              <a:spcBef>
+                <a:spcPct val="20000"/>
+              </a:spcBef>
+              <a:spcAft>
+                <a:spcPct val="0"/>
+              </a:spcAft>
+              <a:buChar char="»"/>
+              <a:defRPr sz="2000">
+                <a:solidFill>
+                  <a:schemeClr val="tx1"/>
+                </a:solidFill>
+                <a:latin typeface="Arial" panose="020B0604020202020204" pitchFamily="34" charset="0"/>
+                <a:ea typeface="宋体" panose="02010600030101010101" pitchFamily="2" charset="-122"/>
+              </a:defRPr>
+            </a:lvl8pPr>
+            <a:lvl9pPr marL="3886200" indent="-228600" eaLnBrk="0" fontAlgn="base" hangingPunct="0">
+              <a:spcBef>
+                <a:spcPct val="20000"/>
+              </a:spcBef>
+              <a:spcAft>
+                <a:spcPct val="0"/>
+              </a:spcAft>
+              <a:buChar char="»"/>
+              <a:defRPr sz="2000">
+                <a:solidFill>
+                  <a:schemeClr val="tx1"/>
+                </a:solidFill>
+                <a:latin typeface="Arial" panose="020B0604020202020204" pitchFamily="34" charset="0"/>
+                <a:ea typeface="宋体" panose="02010600030101010101" pitchFamily="2" charset="-122"/>
+              </a:defRPr>
+            </a:lvl9pPr>
+          </a:lstStyle>
+          <a:p>
+            <a:pPr eaLnBrk="1" hangingPunct="1">
+              <a:spcBef>
+                <a:spcPct val="0"/>
+              </a:spcBef>
+              <a:buFontTx/>
+              <a:buNone/>
+            </a:pPr>
+            <a:r>
+              <a:rPr lang="zh-CN" altLang="en-US" sz="1200" b="1" dirty="0" smtClean="0">
+                <a:solidFill>
+                  <a:srgbClr val="002060"/>
+                </a:solidFill>
+                <a:latin typeface="微软雅黑" panose="020B0503020204020204" pitchFamily="34" charset="-122"/>
+              </a:rPr>
+              <a:t>增加信息 </a:t>
+            </a:r>
+            <a:r>
+              <a:rPr lang="en-US" altLang="zh-CN" sz="1200" b="1" dirty="0" smtClean="0">
+                <a:solidFill>
+                  <a:srgbClr val="002060"/>
+                </a:solidFill>
+                <a:latin typeface="微软雅黑" panose="020B0503020204020204" pitchFamily="34" charset="-122"/>
+              </a:rPr>
+              <a:t>– </a:t>
+            </a:r>
+            <a:r>
+              <a:rPr lang="zh-CN" altLang="en-US" sz="1200" b="1" dirty="0" smtClean="0">
+                <a:solidFill>
+                  <a:srgbClr val="002060"/>
+                </a:solidFill>
+                <a:latin typeface="微软雅黑" panose="020B0503020204020204" pitchFamily="34" charset="-122"/>
+              </a:rPr>
+              <a:t>实现向后台提交</a:t>
+            </a:r>
+            <a:r>
+              <a:rPr lang="en-US" altLang="zh-CN" sz="1200" b="1" dirty="0" smtClean="0">
+                <a:solidFill>
+                  <a:srgbClr val="002060"/>
+                </a:solidFill>
+                <a:latin typeface="微软雅黑" panose="020B0503020204020204" pitchFamily="34" charset="-122"/>
+              </a:rPr>
+              <a:t>from</a:t>
+            </a:r>
+            <a:r>
+              <a:rPr lang="zh-CN" altLang="en-US" sz="1200" b="1" dirty="0" smtClean="0">
+                <a:solidFill>
+                  <a:srgbClr val="002060"/>
+                </a:solidFill>
+                <a:latin typeface="微软雅黑" panose="020B0503020204020204" pitchFamily="34" charset="-122"/>
+              </a:rPr>
+              <a:t>对象信息</a:t>
+            </a:r>
+            <a:endParaRPr lang="zh-CN" altLang="en-US" sz="1200" b="1" dirty="0">
+              <a:solidFill>
+                <a:srgbClr val="002060"/>
+              </a:solidFill>
+              <a:latin typeface="微软雅黑" panose="020B0503020204020204" pitchFamily="34" charset="-122"/>
+            </a:endParaRPr>
+          </a:p>
+        </p:txBody>
+      </p:sp>
+      <p:sp>
+        <p:nvSpPr>
+          <p:cNvPr id="19" name="Oval 10"/>
+          <p:cNvSpPr>
+            <a:spLocks noChangeArrowheads="1"/>
+          </p:cNvSpPr>
+          <p:nvPr/>
+        </p:nvSpPr>
+        <p:spPr bwMode="auto">
+          <a:xfrm>
+            <a:off x="302298" y="4067435"/>
+            <a:ext cx="439112" cy="439239"/>
+          </a:xfrm>
+          <a:prstGeom prst="ellipse">
+            <a:avLst/>
+          </a:prstGeom>
+          <a:solidFill>
+            <a:srgbClr val="0070C0"/>
+          </a:solidFill>
+          <a:ln>
+            <a:noFill/>
+          </a:ln>
+          <a:effectLst>
+            <a:outerShdw blurRad="107950" dist="12700" dir="5400000" algn="ctr">
+              <a:srgbClr val="000000"/>
+            </a:outerShdw>
+          </a:effectLst>
+          <a:scene3d>
+            <a:camera prst="orthographicFront">
+              <a:rot lat="0" lon="0" rev="0"/>
+            </a:camera>
+            <a:lightRig rig="soft" dir="t">
+              <a:rot lat="0" lon="0" rev="0"/>
+            </a:lightRig>
+          </a:scene3d>
+          <a:sp3d contourW="44450" prstMaterial="matte">
+            <a:bevelT w="63500" h="63500" prst="artDeco"/>
+            <a:contourClr>
+              <a:srgbClr val="FFFFFF"/>
+            </a:contourClr>
+          </a:sp3d>
+        </p:spPr>
+        <p:txBody>
+          <a:bodyPr lIns="68543" tIns="34272" rIns="68543" bIns="34272"/>
+          <a:lstStyle>
+            <a:lvl1pPr eaLnBrk="0" hangingPunct="0">
+              <a:spcBef>
+                <a:spcPct val="20000"/>
+              </a:spcBef>
+              <a:buChar char="•"/>
+              <a:defRPr sz="2000">
+                <a:solidFill>
+                  <a:schemeClr val="accent1"/>
+                </a:solidFill>
+                <a:latin typeface="Arial" panose="020B0604020202020204" pitchFamily="34" charset="0"/>
+                <a:ea typeface="微软雅黑" panose="020B0503020204020204" pitchFamily="34" charset="-122"/>
+              </a:defRPr>
+            </a:lvl1pPr>
+            <a:lvl2pPr marL="742950" indent="-285750" eaLnBrk="0" hangingPunct="0">
+              <a:spcBef>
+                <a:spcPct val="20000"/>
+              </a:spcBef>
+              <a:buChar char="–"/>
+              <a:defRPr sz="2000">
+                <a:solidFill>
+                  <a:schemeClr val="accent1"/>
+                </a:solidFill>
+                <a:latin typeface="Arial" panose="020B0604020202020204" pitchFamily="34" charset="0"/>
+                <a:ea typeface="仿宋_GB2312" panose="02010609030101010101" pitchFamily="1" charset="-122"/>
+              </a:defRPr>
+            </a:lvl2pPr>
+            <a:lvl3pPr marL="1143000" indent="-228600" eaLnBrk="0" hangingPunct="0">
+              <a:spcBef>
+                <a:spcPct val="20000"/>
+              </a:spcBef>
+              <a:buChar char="•"/>
+              <a:defRPr sz="2400">
+                <a:solidFill>
+                  <a:schemeClr val="tx1"/>
+                </a:solidFill>
+                <a:latin typeface="Arial" panose="020B0604020202020204" pitchFamily="34" charset="0"/>
+                <a:ea typeface="宋体" panose="02010600030101010101" pitchFamily="2" charset="-122"/>
+              </a:defRPr>
+            </a:lvl3pPr>
+            <a:lvl4pPr marL="1600200" indent="-228600" eaLnBrk="0" hangingPunct="0">
+              <a:spcBef>
+                <a:spcPct val="20000"/>
+              </a:spcBef>
+              <a:buChar char="–"/>
+              <a:defRPr sz="2000">
+                <a:solidFill>
+                  <a:schemeClr val="tx1"/>
+                </a:solidFill>
+                <a:latin typeface="Arial" panose="020B0604020202020204" pitchFamily="34" charset="0"/>
+                <a:ea typeface="宋体" panose="02010600030101010101" pitchFamily="2" charset="-122"/>
+              </a:defRPr>
+            </a:lvl4pPr>
+            <a:lvl5pPr marL="2057400" indent="-228600" eaLnBrk="0" hangingPunct="0">
+              <a:spcBef>
+                <a:spcPct val="20000"/>
+              </a:spcBef>
+              <a:buChar char="»"/>
+              <a:defRPr sz="2000">
+                <a:solidFill>
+                  <a:schemeClr val="tx1"/>
+                </a:solidFill>
+                <a:latin typeface="Arial" panose="020B0604020202020204" pitchFamily="34" charset="0"/>
+                <a:ea typeface="宋体" panose="02010600030101010101" pitchFamily="2" charset="-122"/>
+              </a:defRPr>
+            </a:lvl5pPr>
+            <a:lvl6pPr marL="2514600" indent="-228600" eaLnBrk="0" fontAlgn="base" hangingPunct="0">
+              <a:spcBef>
+                <a:spcPct val="20000"/>
+              </a:spcBef>
+              <a:spcAft>
+                <a:spcPct val="0"/>
+              </a:spcAft>
+              <a:buChar char="»"/>
+              <a:defRPr sz="2000">
+                <a:solidFill>
+                  <a:schemeClr val="tx1"/>
+                </a:solidFill>
+                <a:latin typeface="Arial" panose="020B0604020202020204" pitchFamily="34" charset="0"/>
+                <a:ea typeface="宋体" panose="02010600030101010101" pitchFamily="2" charset="-122"/>
+              </a:defRPr>
+            </a:lvl6pPr>
+            <a:lvl7pPr marL="2971800" indent="-228600" eaLnBrk="0" fontAlgn="base" hangingPunct="0">
+              <a:spcBef>
+                <a:spcPct val="20000"/>
+              </a:spcBef>
+              <a:spcAft>
+                <a:spcPct val="0"/>
+              </a:spcAft>
+              <a:buChar char="»"/>
+              <a:defRPr sz="2000">
+                <a:solidFill>
+                  <a:schemeClr val="tx1"/>
+                </a:solidFill>
+                <a:latin typeface="Arial" panose="020B0604020202020204" pitchFamily="34" charset="0"/>
+                <a:ea typeface="宋体" panose="02010600030101010101" pitchFamily="2" charset="-122"/>
+              </a:defRPr>
+            </a:lvl7pPr>
+            <a:lvl8pPr marL="3429000" indent="-228600" eaLnBrk="0" fontAlgn="base" hangingPunct="0">
+              <a:spcBef>
+                <a:spcPct val="20000"/>
+              </a:spcBef>
+              <a:spcAft>
+                <a:spcPct val="0"/>
+              </a:spcAft>
+              <a:buChar char="»"/>
+              <a:defRPr sz="2000">
+                <a:solidFill>
+                  <a:schemeClr val="tx1"/>
+                </a:solidFill>
+                <a:latin typeface="Arial" panose="020B0604020202020204" pitchFamily="34" charset="0"/>
+                <a:ea typeface="宋体" panose="02010600030101010101" pitchFamily="2" charset="-122"/>
+              </a:defRPr>
+            </a:lvl8pPr>
+            <a:lvl9pPr marL="3886200" indent="-228600" eaLnBrk="0" fontAlgn="base" hangingPunct="0">
+              <a:spcBef>
+                <a:spcPct val="20000"/>
+              </a:spcBef>
+              <a:spcAft>
+                <a:spcPct val="0"/>
+              </a:spcAft>
+              <a:buChar char="»"/>
+              <a:defRPr sz="2000">
+                <a:solidFill>
+                  <a:schemeClr val="tx1"/>
+                </a:solidFill>
+                <a:latin typeface="Arial" panose="020B0604020202020204" pitchFamily="34" charset="0"/>
+                <a:ea typeface="宋体" panose="02010600030101010101" pitchFamily="2" charset="-122"/>
+              </a:defRPr>
+            </a:lvl9pPr>
+          </a:lstStyle>
+          <a:p>
+            <a:pPr algn="ctr" eaLnBrk="1" hangingPunct="1">
+              <a:spcBef>
+                <a:spcPct val="0"/>
+              </a:spcBef>
+              <a:buFontTx/>
+              <a:buNone/>
+            </a:pPr>
+            <a:r>
+              <a:rPr lang="en-US" altLang="zh-CN" sz="1800" b="1" dirty="0">
+                <a:solidFill>
+                  <a:schemeClr val="bg1"/>
+                </a:solidFill>
+                <a:latin typeface="微软雅黑" panose="020B0503020204020204" pitchFamily="34" charset="-122"/>
+              </a:rPr>
+              <a:t>3</a:t>
+            </a:r>
+            <a:endParaRPr lang="zh-CN" altLang="en-US" sz="1800" b="1" dirty="0">
+              <a:solidFill>
+                <a:schemeClr val="bg1"/>
+              </a:solidFill>
+              <a:latin typeface="微软雅黑" panose="020B0503020204020204" pitchFamily="34" charset="-122"/>
+            </a:endParaRPr>
+          </a:p>
+        </p:txBody>
+      </p:sp>
+      <p:sp>
+        <p:nvSpPr>
+          <p:cNvPr id="20" name="TextBox 19"/>
+          <p:cNvSpPr txBox="1">
+            <a:spLocks noChangeArrowheads="1"/>
+          </p:cNvSpPr>
+          <p:nvPr/>
+        </p:nvSpPr>
+        <p:spPr bwMode="auto">
+          <a:xfrm>
+            <a:off x="998263" y="4180787"/>
+            <a:ext cx="4221809" cy="438545"/>
+          </a:xfrm>
+          <a:prstGeom prst="rect">
+            <a:avLst/>
+          </a:prstGeom>
+          <a:noFill/>
+          <a:ln>
+            <a:noFill/>
+          </a:ln>
+          <a:extLst>
+            <a:ext uri="{909E8E84-426E-40DD-AFC4-6F175D3DCCD1}">
+              <a14:hiddenFill xmlns:a14="http://schemas.microsoft.com/office/drawing/2010/main">
+                <a:solidFill>
+                  <a:srgbClr val="FFFFFF"/>
+                </a:solidFill>
+              </a14:hiddenFill>
+            </a:ext>
+            <a:ext uri="{91240B29-F687-4F45-9708-019B960494DF}">
+              <a14:hiddenLine xmlns:a14="http://schemas.microsoft.com/office/drawing/2010/main" w="9525">
+                <a:solidFill>
+                  <a:srgbClr val="000000"/>
+                </a:solidFill>
+                <a:miter lim="800000"/>
+                <a:headEnd/>
+                <a:tailEnd/>
+              </a14:hiddenLine>
+            </a:ext>
+          </a:extLst>
+        </p:spPr>
+        <p:txBody>
+          <a:bodyPr wrap="square" lIns="68543" tIns="34272" rIns="68543" bIns="34272">
+            <a:spAutoFit/>
+          </a:bodyPr>
+          <a:lstStyle>
+            <a:lvl1pPr eaLnBrk="0" hangingPunct="0">
+              <a:spcBef>
+                <a:spcPct val="20000"/>
+              </a:spcBef>
+              <a:buChar char="•"/>
+              <a:defRPr sz="2000">
+                <a:solidFill>
+                  <a:schemeClr val="accent1"/>
+                </a:solidFill>
+                <a:latin typeface="Arial" panose="020B0604020202020204" pitchFamily="34" charset="0"/>
+                <a:ea typeface="微软雅黑" panose="020B0503020204020204" pitchFamily="34" charset="-122"/>
+              </a:defRPr>
+            </a:lvl1pPr>
+            <a:lvl2pPr marL="742950" indent="-285750" eaLnBrk="0" hangingPunct="0">
+              <a:spcBef>
+                <a:spcPct val="20000"/>
+              </a:spcBef>
+              <a:buChar char="–"/>
+              <a:defRPr sz="2000">
+                <a:solidFill>
+                  <a:schemeClr val="accent1"/>
+                </a:solidFill>
+                <a:latin typeface="Arial" panose="020B0604020202020204" pitchFamily="34" charset="0"/>
+                <a:ea typeface="仿宋_GB2312" panose="02010609030101010101" pitchFamily="1" charset="-122"/>
+              </a:defRPr>
+            </a:lvl2pPr>
+            <a:lvl3pPr marL="1143000" indent="-228600" eaLnBrk="0" hangingPunct="0">
+              <a:spcBef>
+                <a:spcPct val="20000"/>
+              </a:spcBef>
+              <a:buChar char="•"/>
+              <a:defRPr sz="2400">
+                <a:solidFill>
+                  <a:schemeClr val="tx1"/>
+                </a:solidFill>
+                <a:latin typeface="Arial" panose="020B0604020202020204" pitchFamily="34" charset="0"/>
+                <a:ea typeface="宋体" panose="02010600030101010101" pitchFamily="2" charset="-122"/>
+              </a:defRPr>
+            </a:lvl3pPr>
+            <a:lvl4pPr marL="1600200" indent="-228600" eaLnBrk="0" hangingPunct="0">
+              <a:spcBef>
+                <a:spcPct val="20000"/>
+              </a:spcBef>
+              <a:buChar char="–"/>
+              <a:defRPr sz="2000">
+                <a:solidFill>
+                  <a:schemeClr val="tx1"/>
+                </a:solidFill>
+                <a:latin typeface="Arial" panose="020B0604020202020204" pitchFamily="34" charset="0"/>
+                <a:ea typeface="宋体" panose="02010600030101010101" pitchFamily="2" charset="-122"/>
+              </a:defRPr>
+            </a:lvl4pPr>
+            <a:lvl5pPr marL="2057400" indent="-228600" eaLnBrk="0" hangingPunct="0">
+              <a:spcBef>
+                <a:spcPct val="20000"/>
+              </a:spcBef>
+              <a:buChar char="»"/>
+              <a:defRPr sz="2000">
+                <a:solidFill>
+                  <a:schemeClr val="tx1"/>
+                </a:solidFill>
+                <a:latin typeface="Arial" panose="020B0604020202020204" pitchFamily="34" charset="0"/>
+                <a:ea typeface="宋体" panose="02010600030101010101" pitchFamily="2" charset="-122"/>
+              </a:defRPr>
+            </a:lvl5pPr>
+            <a:lvl6pPr marL="2514600" indent="-228600" eaLnBrk="0" fontAlgn="base" hangingPunct="0">
+              <a:spcBef>
+                <a:spcPct val="20000"/>
+              </a:spcBef>
+              <a:spcAft>
+                <a:spcPct val="0"/>
+              </a:spcAft>
+              <a:buChar char="»"/>
+              <a:defRPr sz="2000">
+                <a:solidFill>
+                  <a:schemeClr val="tx1"/>
+                </a:solidFill>
+                <a:latin typeface="Arial" panose="020B0604020202020204" pitchFamily="34" charset="0"/>
+                <a:ea typeface="宋体" panose="02010600030101010101" pitchFamily="2" charset="-122"/>
+              </a:defRPr>
+            </a:lvl6pPr>
+            <a:lvl7pPr marL="2971800" indent="-228600" eaLnBrk="0" fontAlgn="base" hangingPunct="0">
+              <a:spcBef>
+                <a:spcPct val="20000"/>
+              </a:spcBef>
+              <a:spcAft>
+                <a:spcPct val="0"/>
+              </a:spcAft>
+              <a:buChar char="»"/>
+              <a:defRPr sz="2000">
+                <a:solidFill>
+                  <a:schemeClr val="tx1"/>
+                </a:solidFill>
+                <a:latin typeface="Arial" panose="020B0604020202020204" pitchFamily="34" charset="0"/>
+                <a:ea typeface="宋体" panose="02010600030101010101" pitchFamily="2" charset="-122"/>
+              </a:defRPr>
+            </a:lvl7pPr>
+            <a:lvl8pPr marL="3429000" indent="-228600" eaLnBrk="0" fontAlgn="base" hangingPunct="0">
+              <a:spcBef>
+                <a:spcPct val="20000"/>
+              </a:spcBef>
+              <a:spcAft>
+                <a:spcPct val="0"/>
+              </a:spcAft>
+              <a:buChar char="»"/>
+              <a:defRPr sz="2000">
+                <a:solidFill>
+                  <a:schemeClr val="tx1"/>
+                </a:solidFill>
+                <a:latin typeface="Arial" panose="020B0604020202020204" pitchFamily="34" charset="0"/>
+                <a:ea typeface="宋体" panose="02010600030101010101" pitchFamily="2" charset="-122"/>
+              </a:defRPr>
+            </a:lvl8pPr>
+            <a:lvl9pPr marL="3886200" indent="-228600" eaLnBrk="0" fontAlgn="base" hangingPunct="0">
+              <a:spcBef>
+                <a:spcPct val="20000"/>
+              </a:spcBef>
+              <a:spcAft>
+                <a:spcPct val="0"/>
+              </a:spcAft>
+              <a:buChar char="»"/>
+              <a:defRPr sz="2000">
+                <a:solidFill>
+                  <a:schemeClr val="tx1"/>
+                </a:solidFill>
+                <a:latin typeface="Arial" panose="020B0604020202020204" pitchFamily="34" charset="0"/>
+                <a:ea typeface="宋体" panose="02010600030101010101" pitchFamily="2" charset="-122"/>
+              </a:defRPr>
+            </a:lvl9pPr>
+          </a:lstStyle>
+          <a:p>
+            <a:pPr eaLnBrk="1" hangingPunct="1">
+              <a:spcBef>
+                <a:spcPct val="0"/>
+              </a:spcBef>
+              <a:buFontTx/>
+              <a:buNone/>
+            </a:pPr>
+            <a:r>
+              <a:rPr lang="zh-CN" altLang="en-US" sz="1200" b="1" dirty="0" smtClean="0">
+                <a:solidFill>
+                  <a:srgbClr val="002060"/>
+                </a:solidFill>
+                <a:latin typeface="微软雅黑" panose="020B0503020204020204" pitchFamily="34" charset="-122"/>
+              </a:rPr>
+              <a:t>获取配送记录列表，点击配送，向后台发送配送信息的</a:t>
+            </a:r>
+            <a:r>
+              <a:rPr lang="en-US" altLang="zh-CN" sz="1200" b="1" dirty="0" smtClean="0">
+                <a:solidFill>
+                  <a:srgbClr val="002060"/>
+                </a:solidFill>
+                <a:latin typeface="微软雅黑" panose="020B0503020204020204" pitchFamily="34" charset="-122"/>
+              </a:rPr>
+              <a:t>id</a:t>
+            </a:r>
+            <a:r>
+              <a:rPr lang="zh-CN" altLang="en-US" sz="1200" b="1" dirty="0" smtClean="0">
+                <a:solidFill>
+                  <a:srgbClr val="002060"/>
+                </a:solidFill>
+                <a:latin typeface="微软雅黑" panose="020B0503020204020204" pitchFamily="34" charset="-122"/>
+              </a:rPr>
+              <a:t>号以及当前的时间</a:t>
+            </a:r>
+            <a:endParaRPr lang="zh-CN" altLang="en-US" sz="1200" b="1" dirty="0">
+              <a:solidFill>
+                <a:srgbClr val="002060"/>
+              </a:solidFill>
+              <a:latin typeface="微软雅黑" panose="020B0503020204020204" pitchFamily="34" charset="-122"/>
+            </a:endParaRPr>
+          </a:p>
+        </p:txBody>
+      </p:sp>
+    </p:spTree>
+    <p:extLst>
+      <p:ext uri="{BB962C8B-B14F-4D97-AF65-F5344CB8AC3E}">
+        <p14:creationId xmlns:p14="http://schemas.microsoft.com/office/powerpoint/2010/main" val="2673913140"/>
+      </p:ext>
+    </p:extLst>
+  </p:cSld>
+  <p:clrMapOvr>
+    <a:masterClrMapping/>
+  </p:clrMapOvr>
+  <mc:AlternateContent xmlns:mc="http://schemas.openxmlformats.org/markup-compatibility/2006" xmlns:p14="http://schemas.microsoft.com/office/powerpoint/2010/main">
+    <mc:Choice Requires="p14">
+      <p:transition spd="slow" p14:dur="1600" advTm="0">
+        <p:blinds dir="vert"/>
+      </p:transition>
+    </mc:Choice>
+    <mc:Fallback xmlns="">
+      <p:transition spd="slow" advTm="0">
+        <p:blinds dir="vert"/>
+      </p:transition>
+    </mc:Fallback>
+  </mc:AlternateContent>
+  <p:timing>
+    <p:tnLst>
+      <p:par>
+        <p:cTn id="1" dur="indefinite" restart="never" nodeType="tmRoot">
+          <p:childTnLst>
+            <p:seq concurrent="1" nextAc="seek">
+              <p:cTn id="2" dur="indefinite" nodeType="mainSeq">
+                <p:childTnLst>
+                  <p:par>
+                    <p:cTn id="3" fill="hold">
+                      <p:stCondLst>
+                        <p:cond delay="indefinite"/>
+                        <p:cond evt="onBegin" delay="0">
+                          <p:tn val="2"/>
+                        </p:cond>
+                      </p:stCondLst>
+                      <p:childTnLst>
+                        <p:par>
+                          <p:cTn id="4" fill="hold">
+                            <p:stCondLst>
+                              <p:cond delay="0"/>
+                            </p:stCondLst>
+                            <p:childTnLst>
+                              <p:par>
+                                <p:cTn id="5" presetID="1" presetClass="entr" presetSubtype="0" fill="hold" grpId="0" nodeType="afterEffect">
+                                  <p:stCondLst>
+                                    <p:cond delay="0"/>
+                                  </p:stCondLst>
+                                  <p:childTnLst>
+                                    <p:set>
+                                      <p:cBhvr>
+                                        <p:cTn id="6" dur="1" fill="hold">
+                                          <p:stCondLst>
+                                            <p:cond delay="0"/>
+                                          </p:stCondLst>
+                                        </p:cTn>
+                                        <p:tgtEl>
+                                          <p:spTgt spid="15"/>
+                                        </p:tgtEl>
+                                        <p:attrNameLst>
+                                          <p:attrName>style.visibility</p:attrName>
+                                        </p:attrNameLst>
+                                      </p:cBhvr>
+                                      <p:to>
+                                        <p:strVal val="visible"/>
+                                      </p:to>
+                                    </p:set>
+                                  </p:childTnLst>
+                                </p:cTn>
+                              </p:par>
+                              <p:par>
+                                <p:cTn id="7" presetID="35" presetClass="path" presetSubtype="0" accel="50000" decel="50000" fill="hold" grpId="1" nodeType="withEffect">
+                                  <p:stCondLst>
+                                    <p:cond delay="0"/>
+                                  </p:stCondLst>
+                                  <p:childTnLst>
+                                    <p:animMotion origin="layout" path="M 2.29608E-6 1.11111E-6 L -0.17354 0.29051 " pathEditMode="relative" rAng="0" ptsTypes="AA">
+                                      <p:cBhvr>
+                                        <p:cTn id="8" dur="500" spd="-99900" fill="hold"/>
+                                        <p:tgtEl>
+                                          <p:spTgt spid="15"/>
+                                        </p:tgtEl>
+                                        <p:attrNameLst>
+                                          <p:attrName>ppt_x</p:attrName>
+                                          <p:attrName>ppt_y</p:attrName>
+                                        </p:attrNameLst>
+                                      </p:cBhvr>
+                                      <p:rCtr x="-8600" y="14500"/>
+                                    </p:animMotion>
+                                  </p:childTnLst>
+                                </p:cTn>
+                              </p:par>
+                              <p:par>
+                                <p:cTn id="9" presetID="22" presetClass="entr" presetSubtype="8" fill="hold" grpId="0" nodeType="withEffect">
+                                  <p:stCondLst>
+                                    <p:cond delay="0"/>
+                                  </p:stCondLst>
+                                  <p:childTnLst>
+                                    <p:set>
+                                      <p:cBhvr>
+                                        <p:cTn id="10" dur="1" fill="hold">
+                                          <p:stCondLst>
+                                            <p:cond delay="0"/>
+                                          </p:stCondLst>
+                                        </p:cTn>
+                                        <p:tgtEl>
+                                          <p:spTgt spid="23"/>
+                                        </p:tgtEl>
+                                        <p:attrNameLst>
+                                          <p:attrName>style.visibility</p:attrName>
+                                        </p:attrNameLst>
+                                      </p:cBhvr>
+                                      <p:to>
+                                        <p:strVal val="visible"/>
+                                      </p:to>
+                                    </p:set>
+                                    <p:animEffect transition="in" filter="wipe(left)">
+                                      <p:cBhvr>
+                                        <p:cTn id="11" dur="500"/>
+                                        <p:tgtEl>
+                                          <p:spTgt spid="23"/>
+                                        </p:tgtEl>
+                                      </p:cBhvr>
+                                    </p:animEffect>
+                                  </p:childTnLst>
+                                </p:cTn>
+                              </p:par>
+                            </p:childTnLst>
+                          </p:cTn>
+                        </p:par>
+                        <p:par>
+                          <p:cTn id="12" fill="hold">
+                            <p:stCondLst>
+                              <p:cond delay="500"/>
+                            </p:stCondLst>
+                            <p:childTnLst>
+                              <p:par>
+                                <p:cTn id="13" presetID="1" presetClass="entr" presetSubtype="0" fill="hold" grpId="0" nodeType="afterEffect">
+                                  <p:stCondLst>
+                                    <p:cond delay="0"/>
+                                  </p:stCondLst>
+                                  <p:childTnLst>
+                                    <p:set>
+                                      <p:cBhvr>
+                                        <p:cTn id="14" dur="1" fill="hold">
+                                          <p:stCondLst>
+                                            <p:cond delay="0"/>
+                                          </p:stCondLst>
+                                        </p:cTn>
+                                        <p:tgtEl>
+                                          <p:spTgt spid="16"/>
+                                        </p:tgtEl>
+                                        <p:attrNameLst>
+                                          <p:attrName>style.visibility</p:attrName>
+                                        </p:attrNameLst>
+                                      </p:cBhvr>
+                                      <p:to>
+                                        <p:strVal val="visible"/>
+                                      </p:to>
+                                    </p:set>
+                                  </p:childTnLst>
+                                </p:cTn>
+                              </p:par>
+                              <p:par>
+                                <p:cTn id="15" presetID="35" presetClass="path" presetSubtype="0" accel="50000" decel="50000" fill="hold" grpId="1" nodeType="withEffect">
+                                  <p:stCondLst>
+                                    <p:cond delay="0"/>
+                                  </p:stCondLst>
+                                  <p:childTnLst>
+                                    <p:animMotion origin="layout" path="M 2.29608E-6 1.11111E-6 L -0.17354 0.29051 " pathEditMode="relative" rAng="0" ptsTypes="AA">
+                                      <p:cBhvr>
+                                        <p:cTn id="16" dur="500" spd="-99900" fill="hold"/>
+                                        <p:tgtEl>
+                                          <p:spTgt spid="16"/>
+                                        </p:tgtEl>
+                                        <p:attrNameLst>
+                                          <p:attrName>ppt_x</p:attrName>
+                                          <p:attrName>ppt_y</p:attrName>
+                                        </p:attrNameLst>
+                                      </p:cBhvr>
+                                      <p:rCtr x="-8600" y="14500"/>
+                                    </p:animMotion>
+                                  </p:childTnLst>
+                                </p:cTn>
+                              </p:par>
+                              <p:par>
+                                <p:cTn id="17" presetID="22" presetClass="entr" presetSubtype="8" fill="hold" grpId="0" nodeType="withEffect">
+                                  <p:stCondLst>
+                                    <p:cond delay="0"/>
+                                  </p:stCondLst>
+                                  <p:childTnLst>
+                                    <p:set>
+                                      <p:cBhvr>
+                                        <p:cTn id="18" dur="1" fill="hold">
+                                          <p:stCondLst>
+                                            <p:cond delay="0"/>
+                                          </p:stCondLst>
+                                        </p:cTn>
+                                        <p:tgtEl>
+                                          <p:spTgt spid="17"/>
+                                        </p:tgtEl>
+                                        <p:attrNameLst>
+                                          <p:attrName>style.visibility</p:attrName>
+                                        </p:attrNameLst>
+                                      </p:cBhvr>
+                                      <p:to>
+                                        <p:strVal val="visible"/>
+                                      </p:to>
+                                    </p:set>
+                                    <p:animEffect transition="in" filter="wipe(left)">
+                                      <p:cBhvr>
+                                        <p:cTn id="19" dur="500"/>
+                                        <p:tgtEl>
+                                          <p:spTgt spid="17"/>
+                                        </p:tgtEl>
+                                      </p:cBhvr>
+                                    </p:animEffect>
+                                  </p:childTnLst>
+                                </p:cTn>
+                              </p:par>
+                            </p:childTnLst>
+                          </p:cTn>
+                        </p:par>
+                        <p:par>
+                          <p:cTn id="20" fill="hold">
+                            <p:stCondLst>
+                              <p:cond delay="1000"/>
+                            </p:stCondLst>
+                            <p:childTnLst>
+                              <p:par>
+                                <p:cTn id="21" presetID="1" presetClass="entr" presetSubtype="0" fill="hold" grpId="0" nodeType="afterEffect">
+                                  <p:stCondLst>
+                                    <p:cond delay="0"/>
+                                  </p:stCondLst>
+                                  <p:childTnLst>
+                                    <p:set>
+                                      <p:cBhvr>
+                                        <p:cTn id="22" dur="1" fill="hold">
+                                          <p:stCondLst>
+                                            <p:cond delay="0"/>
+                                          </p:stCondLst>
+                                        </p:cTn>
+                                        <p:tgtEl>
+                                          <p:spTgt spid="19"/>
+                                        </p:tgtEl>
+                                        <p:attrNameLst>
+                                          <p:attrName>style.visibility</p:attrName>
+                                        </p:attrNameLst>
+                                      </p:cBhvr>
+                                      <p:to>
+                                        <p:strVal val="visible"/>
+                                      </p:to>
+                                    </p:set>
+                                  </p:childTnLst>
+                                </p:cTn>
+                              </p:par>
+                              <p:par>
+                                <p:cTn id="23" presetID="35" presetClass="path" presetSubtype="0" accel="50000" decel="50000" fill="hold" grpId="1" nodeType="withEffect">
+                                  <p:stCondLst>
+                                    <p:cond delay="0"/>
+                                  </p:stCondLst>
+                                  <p:childTnLst>
+                                    <p:animMotion origin="layout" path="M 2.29608E-6 1.11111E-6 L -0.17354 0.29051 " pathEditMode="relative" rAng="0" ptsTypes="AA">
+                                      <p:cBhvr>
+                                        <p:cTn id="24" dur="500" spd="-99900" fill="hold"/>
+                                        <p:tgtEl>
+                                          <p:spTgt spid="19"/>
+                                        </p:tgtEl>
+                                        <p:attrNameLst>
+                                          <p:attrName>ppt_x</p:attrName>
+                                          <p:attrName>ppt_y</p:attrName>
+                                        </p:attrNameLst>
+                                      </p:cBhvr>
+                                      <p:rCtr x="-8600" y="14500"/>
+                                    </p:animMotion>
+                                  </p:childTnLst>
+                                </p:cTn>
+                              </p:par>
+                              <p:par>
+                                <p:cTn id="25" presetID="22" presetClass="entr" presetSubtype="8" fill="hold" grpId="0" nodeType="withEffect">
+                                  <p:stCondLst>
+                                    <p:cond delay="0"/>
+                                  </p:stCondLst>
+                                  <p:childTnLst>
+                                    <p:set>
+                                      <p:cBhvr>
+                                        <p:cTn id="26" dur="1" fill="hold">
+                                          <p:stCondLst>
+                                            <p:cond delay="0"/>
+                                          </p:stCondLst>
+                                        </p:cTn>
+                                        <p:tgtEl>
+                                          <p:spTgt spid="20"/>
+                                        </p:tgtEl>
+                                        <p:attrNameLst>
+                                          <p:attrName>style.visibility</p:attrName>
+                                        </p:attrNameLst>
+                                      </p:cBhvr>
+                                      <p:to>
+                                        <p:strVal val="visible"/>
+                                      </p:to>
+                                    </p:set>
+                                    <p:animEffect transition="in" filter="wipe(left)">
+                                      <p:cBhvr>
+                                        <p:cTn id="27" dur="500"/>
+                                        <p:tgtEl>
+                                          <p:spTgt spid="20"/>
+                                        </p:tgtEl>
+                                      </p:cBhvr>
+                                    </p:animEffect>
+                                  </p:childTnLst>
+                                </p:cTn>
+                              </p:par>
+                            </p:childTnLst>
+                          </p:cTn>
+                        </p:par>
+                      </p:childTnLst>
+                    </p:cTn>
+                  </p:par>
+                </p:childTnLst>
+              </p:cTn>
+              <p:prevCondLst>
+                <p:cond evt="onPrev" delay="0">
+                  <p:tgtEl>
+                    <p:sldTgt/>
+                  </p:tgtEl>
+                </p:cond>
+              </p:prevCondLst>
+              <p:nextCondLst>
+                <p:cond evt="onNext" delay="0">
+                  <p:tgtEl>
+                    <p:sldTgt/>
+                  </p:tgtEl>
+                </p:cond>
+              </p:nextCondLst>
+            </p:seq>
+          </p:childTnLst>
+        </p:cTn>
+      </p:par>
+    </p:tnLst>
+    <p:bldLst>
+      <p:bldP spid="15" grpId="0" animBg="1" autoUpdateAnimBg="0"/>
+      <p:bldP spid="15" grpId="1" animBg="1" autoUpdateAnimBg="0"/>
+      <p:bldP spid="23" grpId="0" autoUpdateAnimBg="0"/>
+      <p:bldP spid="16" grpId="0" animBg="1" autoUpdateAnimBg="0"/>
+      <p:bldP spid="16" grpId="1" animBg="1" autoUpdateAnimBg="0"/>
+      <p:bldP spid="17" grpId="0" autoUpdateAnimBg="0"/>
+      <p:bldP spid="19" grpId="0" animBg="1" autoUpdateAnimBg="0"/>
+      <p:bldP spid="19" grpId="1" animBg="1" autoUpdateAnimBg="0"/>
+      <p:bldP spid="20" grpId="0" autoUpdateAnimBg="0"/>
+    </p:bldLst>
+  </p:timing>
+</p:sld>
+</file>
+
+<file path=ppt/slides/slide17.xml><?xml version="1.0" encoding="utf-8"?>
 <p:sld xmlns:a="http://schemas.openxmlformats.org/drawingml/2006/main" xmlns:r="http://schemas.openxmlformats.org/officeDocument/2006/relationships" xmlns:p="http://schemas.openxmlformats.org/presentationml/2006/main">
   <p:cSld>
     <p:spTree>
@@ -28556,7 +31393,7 @@
   <a:extraClrSchemeLst/>
   <a:extLst>
     <a:ext uri="{05A4C25C-085E-4340-85A3-A5531E510DB2}">
-      <thm15:themeFamily xmlns="" xmlns:thm15="http://schemas.microsoft.com/office/thememl/2012/main" name="Office Theme" id="{62F939B6-93AF-4DB8-9C6B-D6C7DFDC589F}" vid="{4A3C46E8-61CC-4603-A589-7422A47A8E4A}"/>
+      <thm15:themeFamily xmlns:thm15="http://schemas.microsoft.com/office/thememl/2012/main" xmlns="" name="Office Theme" id="{62F939B6-93AF-4DB8-9C6B-D6C7DFDC589F}" vid="{4A3C46E8-61CC-4603-A589-7422A47A8E4A}"/>
     </a:ext>
   </a:extLst>
 </a:theme>

--- a/文档/项目内文档/安逸医院内部管理系统项目答辩ppt（HIS）.pptx
+++ b/文档/项目内文档/安逸医院内部管理系统项目答辩ppt（HIS）.pptx
@@ -5,7 +5,7 @@
     <p:sldMasterId id="2147483648" r:id="rId1"/>
   </p:sldMasterIdLst>
   <p:notesMasterIdLst>
-    <p:notesMasterId r:id="rId19"/>
+    <p:notesMasterId r:id="rId20"/>
   </p:notesMasterIdLst>
   <p:sldIdLst>
     <p:sldId id="256" r:id="rId2"/>
@@ -24,7 +24,8 @@
     <p:sldId id="341" r:id="rId15"/>
     <p:sldId id="342" r:id="rId16"/>
     <p:sldId id="340" r:id="rId17"/>
-    <p:sldId id="330" r:id="rId18"/>
+    <p:sldId id="343" r:id="rId18"/>
+    <p:sldId id="330" r:id="rId19"/>
   </p:sldIdLst>
   <p:sldSz cx="9144000" cy="5143500" type="screen16x9"/>
   <p:notesSz cx="6858000" cy="9144000"/>
@@ -208,7 +209,7 @@
           <a:p>
             <a:fld id="{8D2905D8-DBB3-4830-957E-8A97DBBBA211}" type="datetimeFigureOut">
               <a:rPr lang="zh-CN" altLang="en-US" smtClean="0"/>
-              <a:t>2017/8/10</a:t>
+              <a:t>2017/8/11</a:t>
             </a:fld>
             <a:endParaRPr lang="zh-CN" altLang="en-US"/>
           </a:p>
@@ -14984,16 +14985,7 @@
                 </a:solidFill>
                 <a:latin typeface="微软雅黑" panose="020B0503020204020204" pitchFamily="34" charset="-122"/>
               </a:rPr>
-              <a:t>验证用户名和</a:t>
-            </a:r>
-            <a:r>
-              <a:rPr lang="zh-CN" altLang="en-US" sz="1200" b="1" dirty="0" smtClean="0">
-                <a:solidFill>
-                  <a:srgbClr val="002060"/>
-                </a:solidFill>
-                <a:latin typeface="微软雅黑" panose="020B0503020204020204" pitchFamily="34" charset="-122"/>
-              </a:rPr>
-              <a:t>密码，根据用户角色，判断相关权限。有六测试用户，其中最高权限的是</a:t>
+              <a:t>验证用户名和密码，根据用户角色，判断相关权限。有六测试用户，其中最高权限的是</a:t>
             </a:r>
             <a:r>
               <a:rPr lang="en-US" altLang="zh-CN" sz="1200" b="1" dirty="0" smtClean="0">
@@ -15723,14 +15715,14 @@
           <a:p>
             <a:pPr algn="ctr"/>
             <a:r>
-              <a:rPr lang="zh-CN" altLang="en-US" sz="2800" dirty="0" smtClean="0">
+              <a:rPr lang="zh-CN" altLang="en-US" sz="2800" dirty="0">
                 <a:solidFill>
                   <a:srgbClr val="0070C0"/>
                 </a:solidFill>
                 <a:latin typeface="微软雅黑" panose="020B0503020204020204" pitchFamily="34" charset="-122"/>
                 <a:ea typeface="微软雅黑" panose="020B0503020204020204" pitchFamily="34" charset="-122"/>
               </a:rPr>
-              <a:t>个人主页</a:t>
+              <a:t>药</a:t>
             </a:r>
             <a:r>
               <a:rPr lang="zh-CN" altLang="en-US" sz="2800" dirty="0" smtClean="0">
@@ -15740,7 +15732,27 @@
                 <a:latin typeface="微软雅黑" panose="020B0503020204020204" pitchFamily="34" charset="-122"/>
                 <a:ea typeface="微软雅黑" panose="020B0503020204020204" pitchFamily="34" charset="-122"/>
               </a:rPr>
-              <a:t>（梁明明）</a:t>
+              <a:t>库模块</a:t>
+            </a:r>
+            <a:r>
+              <a:rPr lang="zh-CN" altLang="en-US" sz="2800" dirty="0" smtClean="0">
+                <a:solidFill>
+                  <a:srgbClr val="0070C0"/>
+                </a:solidFill>
+                <a:latin typeface="微软雅黑" panose="020B0503020204020204" pitchFamily="34" charset="-122"/>
+                <a:ea typeface="微软雅黑" panose="020B0503020204020204" pitchFamily="34" charset="-122"/>
+              </a:rPr>
+              <a:t>（</a:t>
+            </a:r>
+            <a:r>
+              <a:rPr lang="zh-CN" altLang="en-US" sz="2800" dirty="0" smtClean="0">
+                <a:solidFill>
+                  <a:srgbClr val="0070C0"/>
+                </a:solidFill>
+                <a:latin typeface="微软雅黑" panose="020B0503020204020204" pitchFamily="34" charset="-122"/>
+                <a:ea typeface="微软雅黑" panose="020B0503020204020204" pitchFamily="34" charset="-122"/>
+              </a:rPr>
+              <a:t>梁明明）</a:t>
             </a:r>
             <a:endParaRPr lang="zh-CN" altLang="en-US" sz="2800" dirty="0">
               <a:solidFill>
@@ -16161,16 +16173,7 @@
                 </a:solidFill>
                 <a:latin typeface="微软雅黑" panose="020B0503020204020204" pitchFamily="34" charset="-122"/>
               </a:rPr>
-              <a:t>向后台发送用户输入信息，</a:t>
-            </a:r>
-            <a:r>
-              <a:rPr lang="zh-CN" altLang="en-US" sz="1200" b="1" dirty="0" smtClean="0">
-                <a:solidFill>
-                  <a:srgbClr val="002060"/>
-                </a:solidFill>
-                <a:latin typeface="微软雅黑" panose="020B0503020204020204" pitchFamily="34" charset="-122"/>
-              </a:rPr>
-              <a:t>并且返回将返回的</a:t>
+              <a:t>向后台发送用户输入信息，并且返回将返回的</a:t>
             </a:r>
             <a:r>
               <a:rPr lang="en-US" altLang="zh-CN" sz="1200" b="1" dirty="0" err="1" smtClean="0">
@@ -17631,6 +17634,183 @@
 </file>
 
 <file path=ppt/slides/slide17.xml><?xml version="1.0" encoding="utf-8"?>
+<p:sld xmlns:a="http://schemas.openxmlformats.org/drawingml/2006/main" xmlns:r="http://schemas.openxmlformats.org/officeDocument/2006/relationships" xmlns:p="http://schemas.openxmlformats.org/presentationml/2006/main">
+  <p:cSld>
+    <p:spTree>
+      <p:nvGrpSpPr>
+        <p:cNvPr id="1" name=""/>
+        <p:cNvGrpSpPr/>
+        <p:nvPr/>
+      </p:nvGrpSpPr>
+      <p:grpSpPr>
+        <a:xfrm>
+          <a:off x="0" y="0"/>
+          <a:ext cx="0" cy="0"/>
+          <a:chOff x="0" y="0"/>
+          <a:chExt cx="0" cy="0"/>
+        </a:xfrm>
+      </p:grpSpPr>
+      <p:pic>
+        <p:nvPicPr>
+          <p:cNvPr id="1026" name="Picture 2"/>
+          <p:cNvPicPr>
+            <a:picLocks noChangeAspect="1" noChangeArrowheads="1"/>
+          </p:cNvPicPr>
+          <p:nvPr/>
+        </p:nvPicPr>
+        <p:blipFill>
+          <a:blip r:embed="rId2" cstate="print">
+            <a:extLst>
+              <a:ext uri="{28A0092B-C50C-407E-A947-70E740481C1C}">
+                <a14:useLocalDpi xmlns:a14="http://schemas.microsoft.com/office/drawing/2010/main" val="0"/>
+              </a:ext>
+            </a:extLst>
+          </a:blip>
+          <a:srcRect/>
+          <a:stretch>
+            <a:fillRect/>
+          </a:stretch>
+        </p:blipFill>
+        <p:spPr bwMode="auto">
+          <a:xfrm>
+            <a:off x="467544" y="555526"/>
+            <a:ext cx="3611413" cy="2176714"/>
+          </a:xfrm>
+          <a:prstGeom prst="rect">
+            <a:avLst/>
+          </a:prstGeom>
+          <a:noFill/>
+          <a:ln>
+            <a:noFill/>
+          </a:ln>
+          <a:effectLst/>
+          <a:extLst>
+            <a:ext uri="{909E8E84-426E-40DD-AFC4-6F175D3DCCD1}">
+              <a14:hiddenFill xmlns:a14="http://schemas.microsoft.com/office/drawing/2010/main">
+                <a:solidFill>
+                  <a:schemeClr val="accent1"/>
+                </a:solidFill>
+              </a14:hiddenFill>
+            </a:ext>
+            <a:ext uri="{91240B29-F687-4F45-9708-019B960494DF}">
+              <a14:hiddenLine xmlns:a14="http://schemas.microsoft.com/office/drawing/2010/main" w="9525">
+                <a:solidFill>
+                  <a:schemeClr val="tx1"/>
+                </a:solidFill>
+                <a:miter lim="800000"/>
+                <a:headEnd/>
+                <a:tailEnd/>
+              </a14:hiddenLine>
+            </a:ext>
+            <a:ext uri="{AF507438-7753-43E0-B8FC-AC1667EBCBE1}">
+              <a14:hiddenEffects xmlns:a14="http://schemas.microsoft.com/office/drawing/2010/main">
+                <a:effectLst>
+                  <a:outerShdw dist="35921" dir="2700000" algn="ctr" rotWithShape="0">
+                    <a:schemeClr val="bg2"/>
+                  </a:outerShdw>
+                </a:effectLst>
+              </a14:hiddenEffects>
+            </a:ext>
+          </a:extLst>
+        </p:spPr>
+      </p:pic>
+      <p:pic>
+        <p:nvPicPr>
+          <p:cNvPr id="1027" name="Picture 3"/>
+          <p:cNvPicPr>
+            <a:picLocks noChangeAspect="1" noChangeArrowheads="1"/>
+          </p:cNvPicPr>
+          <p:nvPr/>
+        </p:nvPicPr>
+        <p:blipFill>
+          <a:blip r:embed="rId3" cstate="print">
+            <a:extLst>
+              <a:ext uri="{28A0092B-C50C-407E-A947-70E740481C1C}">
+                <a14:useLocalDpi xmlns:a14="http://schemas.microsoft.com/office/drawing/2010/main" val="0"/>
+              </a:ext>
+            </a:extLst>
+          </a:blip>
+          <a:srcRect/>
+          <a:stretch>
+            <a:fillRect/>
+          </a:stretch>
+        </p:blipFill>
+        <p:spPr bwMode="auto">
+          <a:xfrm>
+            <a:off x="4243561" y="771550"/>
+            <a:ext cx="4824536" cy="2907902"/>
+          </a:xfrm>
+          <a:prstGeom prst="rect">
+            <a:avLst/>
+          </a:prstGeom>
+          <a:noFill/>
+          <a:ln>
+            <a:noFill/>
+          </a:ln>
+          <a:effectLst/>
+          <a:extLst>
+            <a:ext uri="{909E8E84-426E-40DD-AFC4-6F175D3DCCD1}">
+              <a14:hiddenFill xmlns:a14="http://schemas.microsoft.com/office/drawing/2010/main">
+                <a:solidFill>
+                  <a:schemeClr val="accent1"/>
+                </a:solidFill>
+              </a14:hiddenFill>
+            </a:ext>
+            <a:ext uri="{91240B29-F687-4F45-9708-019B960494DF}">
+              <a14:hiddenLine xmlns:a14="http://schemas.microsoft.com/office/drawing/2010/main" w="9525">
+                <a:solidFill>
+                  <a:schemeClr val="tx1"/>
+                </a:solidFill>
+                <a:miter lim="800000"/>
+                <a:headEnd/>
+                <a:tailEnd/>
+              </a14:hiddenLine>
+            </a:ext>
+            <a:ext uri="{AF507438-7753-43E0-B8FC-AC1667EBCBE1}">
+              <a14:hiddenEffects xmlns:a14="http://schemas.microsoft.com/office/drawing/2010/main">
+                <a:effectLst>
+                  <a:outerShdw dist="35921" dir="2700000" algn="ctr" rotWithShape="0">
+                    <a:schemeClr val="bg2"/>
+                  </a:outerShdw>
+                </a:effectLst>
+              </a14:hiddenEffects>
+            </a:ext>
+          </a:extLst>
+        </p:spPr>
+      </p:pic>
+    </p:spTree>
+    <p:extLst>
+      <p:ext uri="{BB962C8B-B14F-4D97-AF65-F5344CB8AC3E}">
+        <p14:creationId xmlns:p14="http://schemas.microsoft.com/office/powerpoint/2010/main" val="2825485150"/>
+      </p:ext>
+    </p:extLst>
+  </p:cSld>
+  <p:clrMapOvr>
+    <a:masterClrMapping/>
+  </p:clrMapOvr>
+  <mc:AlternateContent xmlns:mc="http://schemas.openxmlformats.org/markup-compatibility/2006" xmlns:p14="http://schemas.microsoft.com/office/powerpoint/2010/main">
+    <mc:Choice Requires="p14">
+      <p:transition spd="slow" p14:dur="1600" advTm="0">
+        <p:blinds dir="vert"/>
+      </p:transition>
+    </mc:Choice>
+    <mc:Fallback xmlns="">
+      <p:transition spd="slow" advTm="0">
+        <p:blinds dir="vert"/>
+      </p:transition>
+    </mc:Fallback>
+  </mc:AlternateContent>
+  <p:timing>
+    <p:tnLst>
+      <p:par>
+        <p:cTn id="1" dur="indefinite" restart="never" nodeType="tmRoot"/>
+      </p:par>
+    </p:tnLst>
+  </p:timing>
+</p:sld>
+</file>
+
+<file path=ppt/slides/slide18.xml><?xml version="1.0" encoding="utf-8"?>
 <p:sld xmlns:a="http://schemas.openxmlformats.org/drawingml/2006/main" xmlns:r="http://schemas.openxmlformats.org/officeDocument/2006/relationships" xmlns:p="http://schemas.openxmlformats.org/presentationml/2006/main">
   <p:cSld>
     <p:spTree>
@@ -18882,14 +19062,24 @@
           <a:lstStyle/>
           <a:p>
             <a:r>
-              <a:rPr lang="zh-CN" altLang="en-US" sz="2000" b="1" dirty="0">
+              <a:rPr lang="zh-CN" altLang="en-US" sz="2000" b="1" dirty="0" smtClean="0">
                 <a:solidFill>
                   <a:srgbClr val="0070C0"/>
                 </a:solidFill>
                 <a:latin typeface="微软雅黑" panose="020B0503020204020204" pitchFamily="34" charset="-122"/>
                 <a:ea typeface="微软雅黑" panose="020B0503020204020204" pitchFamily="34" charset="-122"/>
               </a:rPr>
-              <a:t>安逸医院</a:t>
+              <a:t>医院</a:t>
+            </a:r>
+            <a:r>
+              <a:rPr lang="zh-CN" altLang="en-US" sz="2000" b="1" dirty="0">
+                <a:solidFill>
+                  <a:srgbClr val="0070C0"/>
+                </a:solidFill>
+                <a:latin typeface="微软雅黑" panose="020B0503020204020204" pitchFamily="34" charset="-122"/>
+                <a:ea typeface="微软雅黑" panose="020B0503020204020204" pitchFamily="34" charset="-122"/>
+              </a:rPr>
+              <a:t>内安逸部</a:t>
             </a:r>
             <a:r>
               <a:rPr lang="zh-CN" altLang="en-US" sz="2000" b="1" dirty="0" smtClean="0">
@@ -18899,7 +19089,7 @@
                 <a:latin typeface="微软雅黑" panose="020B0503020204020204" pitchFamily="34" charset="-122"/>
                 <a:ea typeface="微软雅黑" panose="020B0503020204020204" pitchFamily="34" charset="-122"/>
               </a:rPr>
-              <a:t>内部管理系统</a:t>
+              <a:t>管理系统</a:t>
             </a:r>
             <a:endParaRPr lang="en-US" altLang="zh-CN" sz="2000" b="1" dirty="0">
               <a:solidFill>
@@ -19152,7 +19342,7 @@
         </p:blipFill>
         <p:spPr bwMode="auto">
           <a:xfrm>
-            <a:off x="4876326" y="2355726"/>
+            <a:off x="4918914" y="2372807"/>
             <a:ext cx="2664296" cy="1467074"/>
           </a:xfrm>
           <a:prstGeom prst="rect">
@@ -19193,6 +19383,64 @@
           </a:extLst>
         </p:spPr>
       </p:pic>
+      <p:sp>
+        <p:nvSpPr>
+          <p:cNvPr id="2" name="矩形 1"/>
+          <p:cNvSpPr/>
+          <p:nvPr/>
+        </p:nvSpPr>
+        <p:spPr>
+          <a:xfrm>
+            <a:off x="4833739" y="699542"/>
+            <a:ext cx="3872342" cy="369332"/>
+          </a:xfrm>
+          <a:prstGeom prst="rect">
+            <a:avLst/>
+          </a:prstGeom>
+        </p:spPr>
+        <p:txBody>
+          <a:bodyPr wrap="none">
+            <a:spAutoFit/>
+          </a:bodyPr>
+          <a:lstStyle/>
+          <a:p>
+            <a:r>
+              <a:rPr lang="en-US" altLang="zh-CN" dirty="0"/>
+              <a:t>https://mingmliang.github.io/his-demo</a:t>
+            </a:r>
+            <a:endParaRPr lang="zh-CN" altLang="en-US" dirty="0"/>
+          </a:p>
+        </p:txBody>
+      </p:sp>
+      <p:sp>
+        <p:nvSpPr>
+          <p:cNvPr id="3" name="矩形 2"/>
+          <p:cNvSpPr/>
+          <p:nvPr/>
+        </p:nvSpPr>
+        <p:spPr>
+          <a:xfrm>
+            <a:off x="4860032" y="1275606"/>
+            <a:ext cx="3187476" cy="369332"/>
+          </a:xfrm>
+          <a:prstGeom prst="rect">
+            <a:avLst/>
+          </a:prstGeom>
+        </p:spPr>
+        <p:txBody>
+          <a:bodyPr wrap="none">
+            <a:spAutoFit/>
+          </a:bodyPr>
+          <a:lstStyle/>
+          <a:p>
+            <a:r>
+              <a:rPr lang="en-US" altLang="zh-CN" dirty="0"/>
+              <a:t>https://github.com/HIS0731/his</a:t>
+            </a:r>
+            <a:endParaRPr lang="zh-CN" altLang="en-US" dirty="0"/>
+          </a:p>
+        </p:txBody>
+      </p:sp>
     </p:spTree>
   </p:cSld>
   <p:clrMapOvr>
